--- a/Project review 2 ppt[1].pptx
+++ b/Project review 2 ppt[1].pptx
@@ -5,10 +5,10 @@
     <p:sldMasterId id="2147483648" r:id="rId1"/>
   </p:sldMasterIdLst>
   <p:notesMasterIdLst>
-    <p:notesMasterId r:id="rId14"/>
+    <p:notesMasterId r:id="rId15"/>
   </p:notesMasterIdLst>
   <p:handoutMasterIdLst>
-    <p:handoutMasterId r:id="rId15"/>
+    <p:handoutMasterId r:id="rId16"/>
   </p:handoutMasterIdLst>
   <p:sldIdLst>
     <p:sldId id="531" r:id="rId2"/>
@@ -21,59 +21,60 @@
     <p:sldId id="532" r:id="rId9"/>
     <p:sldId id="535" r:id="rId10"/>
     <p:sldId id="536" r:id="rId11"/>
-    <p:sldId id="307" r:id="rId12"/>
-    <p:sldId id="301" r:id="rId13"/>
+    <p:sldId id="537" r:id="rId12"/>
+    <p:sldId id="307" r:id="rId13"/>
+    <p:sldId id="301" r:id="rId14"/>
   </p:sldIdLst>
   <p:sldSz cx="12192000" cy="6858000"/>
   <p:notesSz cx="6858000" cy="9144000"/>
   <p:embeddedFontLst>
     <p:embeddedFont>
       <p:font typeface="Aharoni" panose="02010803020104030203" pitchFamily="2" charset="-79"/>
-      <p:bold r:id="rId16"/>
+      <p:bold r:id="rId17"/>
     </p:embeddedFont>
     <p:embeddedFont>
       <p:font typeface="Montserrat" panose="00000500000000000000" pitchFamily="2" charset="0"/>
-      <p:regular r:id="rId17"/>
-      <p:bold r:id="rId18"/>
-      <p:italic r:id="rId19"/>
-      <p:boldItalic r:id="rId20"/>
+      <p:regular r:id="rId18"/>
+      <p:bold r:id="rId19"/>
+      <p:italic r:id="rId20"/>
+      <p:boldItalic r:id="rId21"/>
     </p:embeddedFont>
     <p:embeddedFont>
       <p:font typeface="Montserrat Medium" panose="00000600000000000000" pitchFamily="2" charset="0"/>
-      <p:regular r:id="rId21"/>
-      <p:italic r:id="rId22"/>
+      <p:regular r:id="rId22"/>
+      <p:italic r:id="rId23"/>
     </p:embeddedFont>
     <p:embeddedFont>
       <p:font typeface="Open Sans" panose="020B0606030504020204" pitchFamily="34" charset="0"/>
-      <p:regular r:id="rId23"/>
-      <p:bold r:id="rId24"/>
-      <p:italic r:id="rId25"/>
-      <p:boldItalic r:id="rId26"/>
+      <p:regular r:id="rId24"/>
+      <p:bold r:id="rId25"/>
+      <p:italic r:id="rId26"/>
+      <p:boldItalic r:id="rId27"/>
     </p:embeddedFont>
     <p:embeddedFont>
       <p:font typeface="Plus Jakarta Sans" panose="020B0604020202020204" charset="0"/>
-      <p:regular r:id="rId27"/>
-      <p:bold r:id="rId28"/>
-      <p:italic r:id="rId29"/>
-      <p:boldItalic r:id="rId30"/>
+      <p:regular r:id="rId28"/>
+      <p:bold r:id="rId29"/>
+      <p:italic r:id="rId30"/>
+      <p:boldItalic r:id="rId31"/>
     </p:embeddedFont>
     <p:embeddedFont>
       <p:font typeface="Poppins SemiBold" panose="00000700000000000000" pitchFamily="2" charset="0"/>
-      <p:regular r:id="rId31"/>
-      <p:bold r:id="rId32"/>
-      <p:italic r:id="rId33"/>
-      <p:boldItalic r:id="rId34"/>
+      <p:regular r:id="rId32"/>
+      <p:bold r:id="rId33"/>
+      <p:italic r:id="rId34"/>
+      <p:boldItalic r:id="rId35"/>
     </p:embeddedFont>
     <p:embeddedFont>
       <p:font typeface="Verdana" panose="020B0604030504040204" pitchFamily="34" charset="0"/>
-      <p:regular r:id="rId35"/>
-      <p:bold r:id="rId36"/>
-      <p:italic r:id="rId37"/>
-      <p:boldItalic r:id="rId38"/>
+      <p:regular r:id="rId36"/>
+      <p:bold r:id="rId37"/>
+      <p:italic r:id="rId38"/>
+      <p:boldItalic r:id="rId39"/>
     </p:embeddedFont>
   </p:embeddedFontLst>
   <p:custDataLst>
-    <p:tags r:id="rId39"/>
+    <p:tags r:id="rId40"/>
   </p:custDataLst>
   <p:defaultTextStyle>
     <a:defPPr marR="0" lvl="0" algn="l" rtl="0">
@@ -312,7 +313,7 @@
       <p15:notesGuideLst xmlns:p15="http://schemas.microsoft.com/office/powerpoint/2012/main"/>
     </p:ext>
     <p:ext uri="GoogleSlidesCustomDataVersion2">
-      <go:slidesCustomData xmlns:go="http://customooxmlschemas.google.com/" xmlns:ahyp="http://schemas.microsoft.com/office/drawing/2018/hyperlinkcolor" xmlns:p15="http://schemas.microsoft.com/office/powerpoint/2012/main" xmlns:p14="http://schemas.microsoft.com/office/powerpoint/2010/main" xmlns:com="http://schemas.openxmlformats.org/drawingml/2006/compatibility" xmlns:pvml="urn:schemas-microsoft-com:office:powerpoint" xmlns:v="urn:schemas-microsoft-com:vml" xmlns:o="urn:schemas-microsoft-com:office:office" xmlns:dgm="http://schemas.openxmlformats.org/drawingml/2006/diagram" xmlns:c="http://schemas.openxmlformats.org/drawingml/2006/chart" xmlns:mv="urn:schemas-microsoft-com:mac:vml" xmlns:mc="http://schemas.openxmlformats.org/markup-compatibility/2006" xmlns="" r:id="rId87" roundtripDataSignature="AMtx7miIyBGqFJiBIVMPSSJVJ08VgmQ4iw=="/>
+      <go:slidesCustomData xmlns="" xmlns:mc="http://schemas.openxmlformats.org/markup-compatibility/2006" xmlns:mv="urn:schemas-microsoft-com:mac:vml" xmlns:c="http://schemas.openxmlformats.org/drawingml/2006/chart" xmlns:dgm="http://schemas.openxmlformats.org/drawingml/2006/diagram" xmlns:o="urn:schemas-microsoft-com:office:office" xmlns:v="urn:schemas-microsoft-com:vml" xmlns:pvml="urn:schemas-microsoft-com:office:powerpoint" xmlns:com="http://schemas.openxmlformats.org/drawingml/2006/compatibility" xmlns:p14="http://schemas.microsoft.com/office/powerpoint/2010/main" xmlns:p15="http://schemas.microsoft.com/office/powerpoint/2012/main" xmlns:ahyp="http://schemas.microsoft.com/office/drawing/2018/hyperlinkcolor" xmlns:go="http://customooxmlschemas.google.com/" r:id="rId87" roundtripDataSignature="AMtx7miIyBGqFJiBIVMPSSJVJ08VgmQ4iw=="/>
     </p:ext>
   </p:extLst>
 </p:presentation>
@@ -8113,6 +8114,780 @@
         <p:cNvPr id="1" name="">
           <a:extLst>
             <a:ext uri="{FF2B5EF4-FFF2-40B4-BE49-F238E27FC236}">
+              <a16:creationId xmlns:a16="http://schemas.microsoft.com/office/drawing/2014/main" id="{F669120D-51B8-0921-89F6-D463887BF23B}"/>
+            </a:ext>
+          </a:extLst>
+        </p:cNvPr>
+        <p:cNvGrpSpPr/>
+        <p:nvPr/>
+      </p:nvGrpSpPr>
+      <p:grpSpPr>
+        <a:xfrm>
+          <a:off x="0" y="0"/>
+          <a:ext cx="0" cy="0"/>
+          <a:chOff x="0" y="0"/>
+          <a:chExt cx="0" cy="0"/>
+        </a:xfrm>
+      </p:grpSpPr>
+      <p:sp>
+        <p:nvSpPr>
+          <p:cNvPr id="3" name="Slide Number Placeholder 2">
+            <a:extLst>
+              <a:ext uri="{FF2B5EF4-FFF2-40B4-BE49-F238E27FC236}">
+                <a16:creationId xmlns:a16="http://schemas.microsoft.com/office/drawing/2014/main" id="{4AD02C74-C33F-EEF5-BE49-9F8E25B52B00}"/>
+              </a:ext>
+            </a:extLst>
+          </p:cNvPr>
+          <p:cNvSpPr>
+            <a:spLocks noGrp="1"/>
+          </p:cNvSpPr>
+          <p:nvPr>
+            <p:ph type="sldNum" idx="12"/>
+          </p:nvPr>
+        </p:nvSpPr>
+        <p:spPr/>
+        <p:txBody>
+          <a:bodyPr/>
+          <a:lstStyle/>
+          <a:p>
+            <a:pPr marL="0" lvl="0" indent="0" algn="r" rtl="0">
+              <a:spcBef>
+                <a:spcPts val="0"/>
+              </a:spcBef>
+              <a:spcAft>
+                <a:spcPts val="0"/>
+              </a:spcAft>
+              <a:buNone/>
+            </a:pPr>
+            <a:fld id="{00000000-1234-1234-1234-123412341234}" type="slidenum">
+              <a:rPr lang="en-US" smtClean="0"/>
+              <a:t>11</a:t>
+            </a:fld>
+            <a:endParaRPr lang="en-US" dirty="0"/>
+          </a:p>
+        </p:txBody>
+      </p:sp>
+      <p:sp>
+        <p:nvSpPr>
+          <p:cNvPr id="5" name="TextBox 4">
+            <a:extLst>
+              <a:ext uri="{FF2B5EF4-FFF2-40B4-BE49-F238E27FC236}">
+                <a16:creationId xmlns:a16="http://schemas.microsoft.com/office/drawing/2014/main" id="{AE0B5ABD-44D6-C577-5BAC-3B647604D89D}"/>
+              </a:ext>
+            </a:extLst>
+          </p:cNvPr>
+          <p:cNvSpPr txBox="1"/>
+          <p:nvPr/>
+        </p:nvSpPr>
+        <p:spPr>
+          <a:xfrm>
+            <a:off x="2783072" y="128724"/>
+            <a:ext cx="6182832" cy="400110"/>
+          </a:xfrm>
+          <a:prstGeom prst="rect">
+            <a:avLst/>
+          </a:prstGeom>
+          <a:noFill/>
+        </p:spPr>
+        <p:txBody>
+          <a:bodyPr wrap="square">
+            <a:spAutoFit/>
+          </a:bodyPr>
+          <a:lstStyle/>
+          <a:p>
+            <a:pPr marL="0" marR="0" lvl="0" indent="0" algn="ctr" rtl="0">
+              <a:lnSpc>
+                <a:spcPct val="100000"/>
+              </a:lnSpc>
+              <a:spcBef>
+                <a:spcPts val="0"/>
+              </a:spcBef>
+              <a:spcAft>
+                <a:spcPts val="0"/>
+              </a:spcAft>
+              <a:buClr>
+                <a:srgbClr val="000000"/>
+              </a:buClr>
+              <a:buSzPts val="2400"/>
+              <a:buFont typeface="Arial"/>
+              <a:buNone/>
+            </a:pPr>
+            <a:r>
+              <a:rPr lang="en-US" sz="2000" b="1" i="0" u="none" strike="noStrike" cap="none" dirty="0">
+                <a:solidFill>
+                  <a:srgbClr val="000000"/>
+                </a:solidFill>
+                <a:latin typeface="Montserrat"/>
+                <a:ea typeface="Montserrat"/>
+                <a:cs typeface="Montserrat"/>
+                <a:sym typeface="Montserrat"/>
+              </a:rPr>
+              <a:t>Simulation Output - </a:t>
+            </a:r>
+            <a:r>
+              <a:rPr lang="en-US" sz="2000" b="1" i="0" u="none" strike="noStrike" cap="none" dirty="0" err="1">
+                <a:solidFill>
+                  <a:srgbClr val="000000"/>
+                </a:solidFill>
+                <a:latin typeface="Montserrat"/>
+                <a:ea typeface="Montserrat"/>
+                <a:cs typeface="Montserrat"/>
+                <a:sym typeface="Montserrat"/>
+              </a:rPr>
+              <a:t>Vivado</a:t>
+            </a:r>
+            <a:endParaRPr lang="en-US" sz="2000" b="0" i="0" u="none" strike="noStrike" cap="none" dirty="0">
+              <a:solidFill>
+                <a:srgbClr val="000000"/>
+              </a:solidFill>
+              <a:latin typeface="Arial"/>
+              <a:ea typeface="Arial"/>
+              <a:cs typeface="Arial"/>
+              <a:sym typeface="Arial"/>
+            </a:endParaRPr>
+          </a:p>
+        </p:txBody>
+      </p:sp>
+      <p:sp>
+        <p:nvSpPr>
+          <p:cNvPr id="2" name="TextBox 1">
+            <a:extLst>
+              <a:ext uri="{FF2B5EF4-FFF2-40B4-BE49-F238E27FC236}">
+                <a16:creationId xmlns:a16="http://schemas.microsoft.com/office/drawing/2014/main" id="{5F77D097-7040-3B8D-D922-B55EE41636C2}"/>
+              </a:ext>
+            </a:extLst>
+          </p:cNvPr>
+          <p:cNvSpPr txBox="1"/>
+          <p:nvPr/>
+        </p:nvSpPr>
+        <p:spPr>
+          <a:xfrm>
+            <a:off x="0" y="667512"/>
+            <a:ext cx="4709160" cy="3323987"/>
+          </a:xfrm>
+          <a:prstGeom prst="rect">
+            <a:avLst/>
+          </a:prstGeom>
+          <a:noFill/>
+        </p:spPr>
+        <p:txBody>
+          <a:bodyPr wrap="square" rtlCol="0">
+            <a:spAutoFit/>
+          </a:bodyPr>
+          <a:lstStyle/>
+          <a:p>
+            <a:r>
+              <a:rPr lang="en-US" b="1" dirty="0"/>
+              <a:t>Normal Condition (First Stage)</a:t>
+            </a:r>
+          </a:p>
+          <a:p>
+            <a:r>
+              <a:rPr lang="en-US" dirty="0"/>
+              <a:t>At the beginning:</a:t>
+            </a:r>
+          </a:p>
+          <a:p>
+            <a:pPr marL="285750" indent="-285750">
+              <a:buFont typeface="Arial" panose="020B0604020202020204" pitchFamily="34" charset="0"/>
+              <a:buChar char="•"/>
+            </a:pPr>
+            <a:r>
+              <a:rPr lang="en-US" dirty="0"/>
+              <a:t>bpm = 50 (hex 32)</a:t>
+            </a:r>
+          </a:p>
+          <a:p>
+            <a:pPr marL="285750" indent="-285750">
+              <a:buFont typeface="Arial" panose="020B0604020202020204" pitchFamily="34" charset="0"/>
+              <a:buChar char="•"/>
+            </a:pPr>
+            <a:r>
+              <a:rPr lang="en-US" dirty="0"/>
+              <a:t>resp = 16</a:t>
+            </a:r>
+          </a:p>
+          <a:p>
+            <a:pPr marL="285750" indent="-285750">
+              <a:buFont typeface="Arial" panose="020B0604020202020204" pitchFamily="34" charset="0"/>
+              <a:buChar char="•"/>
+            </a:pPr>
+            <a:r>
+              <a:rPr lang="en-US" dirty="0" err="1"/>
+              <a:t>temp_c</a:t>
+            </a:r>
+            <a:r>
+              <a:rPr lang="en-US" dirty="0"/>
+              <a:t> = 37</a:t>
+            </a:r>
+          </a:p>
+          <a:p>
+            <a:pPr marL="285750" indent="-285750">
+              <a:buFont typeface="Arial" panose="020B0604020202020204" pitchFamily="34" charset="0"/>
+              <a:buChar char="•"/>
+            </a:pPr>
+            <a:r>
+              <a:rPr lang="en-US" dirty="0"/>
+              <a:t>sys = 110</a:t>
+            </a:r>
+          </a:p>
+          <a:p>
+            <a:pPr marL="285750" indent="-285750">
+              <a:buFont typeface="Arial" panose="020B0604020202020204" pitchFamily="34" charset="0"/>
+              <a:buChar char="•"/>
+            </a:pPr>
+            <a:r>
+              <a:rPr lang="en-US" dirty="0" err="1"/>
+              <a:t>dia</a:t>
+            </a:r>
+            <a:r>
+              <a:rPr lang="en-US" dirty="0"/>
+              <a:t> = 70</a:t>
+            </a:r>
+          </a:p>
+          <a:p>
+            <a:r>
+              <a:rPr lang="en-US" dirty="0"/>
+              <a:t>All values are </a:t>
+            </a:r>
+            <a:r>
+              <a:rPr lang="en-US" b="1" dirty="0"/>
+              <a:t>inside normal medical ranges</a:t>
+            </a:r>
+            <a:r>
+              <a:rPr lang="en-US" dirty="0"/>
+              <a:t>, therefore:</a:t>
+            </a:r>
+          </a:p>
+          <a:p>
+            <a:pPr marL="285750" indent="-285750">
+              <a:buFont typeface="Arial" panose="020B0604020202020204" pitchFamily="34" charset="0"/>
+              <a:buChar char="•"/>
+            </a:pPr>
+            <a:r>
+              <a:rPr lang="en-US" dirty="0" err="1"/>
+              <a:t>p_ab</a:t>
+            </a:r>
+            <a:r>
+              <a:rPr lang="en-US" dirty="0"/>
+              <a:t> = </a:t>
+            </a:r>
+          </a:p>
+          <a:p>
+            <a:pPr marL="285750" indent="-285750">
+              <a:buFont typeface="Arial" panose="020B0604020202020204" pitchFamily="34" charset="0"/>
+              <a:buChar char="•"/>
+            </a:pPr>
+            <a:r>
+              <a:rPr lang="en-US" dirty="0" err="1"/>
+              <a:t>r_ab</a:t>
+            </a:r>
+            <a:r>
+              <a:rPr lang="en-US" dirty="0"/>
+              <a:t> = 0</a:t>
+            </a:r>
+          </a:p>
+          <a:p>
+            <a:pPr marL="285750" indent="-285750">
+              <a:buFont typeface="Arial" panose="020B0604020202020204" pitchFamily="34" charset="0"/>
+              <a:buChar char="•"/>
+            </a:pPr>
+            <a:r>
+              <a:rPr lang="en-US" dirty="0" err="1"/>
+              <a:t>t_ab</a:t>
+            </a:r>
+            <a:r>
+              <a:rPr lang="en-US" dirty="0"/>
+              <a:t> = 0</a:t>
+            </a:r>
+          </a:p>
+          <a:p>
+            <a:pPr marL="285750" indent="-285750">
+              <a:buFont typeface="Arial" panose="020B0604020202020204" pitchFamily="34" charset="0"/>
+              <a:buChar char="•"/>
+            </a:pPr>
+            <a:r>
+              <a:rPr lang="en-US" dirty="0" err="1"/>
+              <a:t>bp_ab</a:t>
+            </a:r>
+            <a:r>
+              <a:rPr lang="en-US" dirty="0"/>
+              <a:t> = 0</a:t>
+            </a:r>
+          </a:p>
+          <a:p>
+            <a:pPr marL="285750" indent="-285750">
+              <a:buFont typeface="Arial" panose="020B0604020202020204" pitchFamily="34" charset="0"/>
+              <a:buChar char="•"/>
+            </a:pPr>
+            <a:r>
+              <a:rPr lang="en-US" dirty="0" err="1"/>
+              <a:t>abnormal_final</a:t>
+            </a:r>
+            <a:r>
+              <a:rPr lang="en-US" dirty="0"/>
+              <a:t> = 0</a:t>
+            </a:r>
+          </a:p>
+          <a:p>
+            <a:r>
+              <a:rPr lang="en-US" dirty="0"/>
+              <a:t>➡️ </a:t>
+            </a:r>
+            <a:r>
+              <a:rPr lang="en-US" b="1" dirty="0"/>
+              <a:t>Patient is Normal</a:t>
+            </a:r>
+            <a:endParaRPr lang="en-US" dirty="0"/>
+          </a:p>
+          <a:p>
+            <a:endParaRPr lang="en-US" dirty="0"/>
+          </a:p>
+        </p:txBody>
+      </p:sp>
+      <p:sp>
+        <p:nvSpPr>
+          <p:cNvPr id="6" name="TextBox 5">
+            <a:extLst>
+              <a:ext uri="{FF2B5EF4-FFF2-40B4-BE49-F238E27FC236}">
+                <a16:creationId xmlns:a16="http://schemas.microsoft.com/office/drawing/2014/main" id="{914C580A-D039-8363-6657-D36AC5D9EE62}"/>
+              </a:ext>
+            </a:extLst>
+          </p:cNvPr>
+          <p:cNvSpPr txBox="1"/>
+          <p:nvPr/>
+        </p:nvSpPr>
+        <p:spPr>
+          <a:xfrm>
+            <a:off x="4645152" y="667512"/>
+            <a:ext cx="4262840" cy="3539430"/>
+          </a:xfrm>
+          <a:prstGeom prst="rect">
+            <a:avLst/>
+          </a:prstGeom>
+          <a:noFill/>
+        </p:spPr>
+        <p:txBody>
+          <a:bodyPr wrap="square" rtlCol="0">
+            <a:spAutoFit/>
+          </a:bodyPr>
+          <a:lstStyle/>
+          <a:p>
+            <a:r>
+              <a:rPr lang="en-US" b="1" dirty="0"/>
+              <a:t>When BPM becomes abnormal</a:t>
+            </a:r>
+          </a:p>
+          <a:p>
+            <a:r>
+              <a:rPr lang="en-US" dirty="0"/>
+              <a:t>Later, BPM transitions from 0x32 (50) to 0x64 (100), then above the upper limit.</a:t>
+            </a:r>
+          </a:p>
+          <a:p>
+            <a:r>
+              <a:rPr lang="en-US" dirty="0"/>
+              <a:t>When BPM &gt; 100:</a:t>
+            </a:r>
+          </a:p>
+          <a:p>
+            <a:pPr marL="285750" indent="-285750">
+              <a:buFont typeface="Arial" panose="020B0604020202020204" pitchFamily="34" charset="0"/>
+              <a:buChar char="•"/>
+            </a:pPr>
+            <a:r>
+              <a:rPr lang="en-US" dirty="0" err="1"/>
+              <a:t>p_ab</a:t>
+            </a:r>
+            <a:r>
+              <a:rPr lang="en-US" dirty="0"/>
+              <a:t> becomes </a:t>
+            </a:r>
+            <a:r>
+              <a:rPr lang="en-US" b="1" dirty="0"/>
+              <a:t>1</a:t>
+            </a:r>
+            <a:endParaRPr lang="en-US" dirty="0"/>
+          </a:p>
+          <a:p>
+            <a:pPr marL="285750" indent="-285750">
+              <a:buFont typeface="Arial" panose="020B0604020202020204" pitchFamily="34" charset="0"/>
+              <a:buChar char="•"/>
+            </a:pPr>
+            <a:r>
+              <a:rPr lang="en-US" dirty="0" err="1"/>
+              <a:t>abnormal_final</a:t>
+            </a:r>
+            <a:r>
+              <a:rPr lang="en-US" dirty="0"/>
+              <a:t> also becomes </a:t>
+            </a:r>
+            <a:r>
+              <a:rPr lang="en-US" b="1" dirty="0"/>
+              <a:t>1</a:t>
+            </a:r>
+            <a:endParaRPr lang="en-US" dirty="0"/>
+          </a:p>
+          <a:p>
+            <a:r>
+              <a:rPr lang="en-US" dirty="0"/>
+              <a:t>This appears in your waveform exactly at the moment BPM reaches the abnormal range.</a:t>
+            </a:r>
+          </a:p>
+          <a:p>
+            <a:r>
+              <a:rPr lang="en-US" dirty="0"/>
+              <a:t>➡️ </a:t>
+            </a:r>
+            <a:r>
+              <a:rPr lang="en-US" b="1" dirty="0"/>
+              <a:t>High Heart Rate Alert Activated</a:t>
+            </a:r>
+          </a:p>
+          <a:p>
+            <a:endParaRPr lang="en-US" b="1" dirty="0"/>
+          </a:p>
+          <a:p>
+            <a:r>
+              <a:rPr lang="en-US" b="1" dirty="0"/>
+              <a:t>When Respiration Rate becomes abnormal</a:t>
+            </a:r>
+          </a:p>
+          <a:p>
+            <a:r>
+              <a:rPr lang="en-US" dirty="0"/>
+              <a:t>Respiratory rate changes to 10 (below the normal threshold 12).</a:t>
+            </a:r>
+          </a:p>
+          <a:p>
+            <a:pPr marL="285750" indent="-285750">
+              <a:buFont typeface="Arial" panose="020B0604020202020204" pitchFamily="34" charset="0"/>
+              <a:buChar char="•"/>
+            </a:pPr>
+            <a:r>
+              <a:rPr lang="en-US" dirty="0" err="1"/>
+              <a:t>r_ab</a:t>
+            </a:r>
+            <a:r>
+              <a:rPr lang="en-US" dirty="0"/>
+              <a:t> = 1</a:t>
+            </a:r>
+          </a:p>
+          <a:p>
+            <a:pPr marL="285750" indent="-285750">
+              <a:buFont typeface="Arial" panose="020B0604020202020204" pitchFamily="34" charset="0"/>
+              <a:buChar char="•"/>
+            </a:pPr>
+            <a:r>
+              <a:rPr lang="en-US" dirty="0" err="1"/>
+              <a:t>abnormal_final</a:t>
+            </a:r>
+            <a:r>
+              <a:rPr lang="en-US" dirty="0"/>
+              <a:t> remains </a:t>
+            </a:r>
+            <a:r>
+              <a:rPr lang="en-US" b="1" dirty="0"/>
+              <a:t>1</a:t>
+            </a:r>
+            <a:endParaRPr lang="en-US" dirty="0"/>
+          </a:p>
+          <a:p>
+            <a:r>
+              <a:rPr lang="en-US" dirty="0"/>
+              <a:t>➡️ </a:t>
+            </a:r>
+            <a:r>
+              <a:rPr lang="en-US" b="1" dirty="0"/>
+              <a:t>Low Respiration Alert Activated</a:t>
+            </a:r>
+            <a:endParaRPr lang="en-US" dirty="0"/>
+          </a:p>
+        </p:txBody>
+      </p:sp>
+      <p:sp>
+        <p:nvSpPr>
+          <p:cNvPr id="7" name="TextBox 6">
+            <a:extLst>
+              <a:ext uri="{FF2B5EF4-FFF2-40B4-BE49-F238E27FC236}">
+                <a16:creationId xmlns:a16="http://schemas.microsoft.com/office/drawing/2014/main" id="{48F6D707-7584-CC29-AB21-1D7A5CF6164B}"/>
+              </a:ext>
+            </a:extLst>
+          </p:cNvPr>
+          <p:cNvSpPr txBox="1"/>
+          <p:nvPr/>
+        </p:nvSpPr>
+        <p:spPr>
+          <a:xfrm>
+            <a:off x="8750808" y="667512"/>
+            <a:ext cx="3441192" cy="3754874"/>
+          </a:xfrm>
+          <a:prstGeom prst="rect">
+            <a:avLst/>
+          </a:prstGeom>
+          <a:noFill/>
+        </p:spPr>
+        <p:txBody>
+          <a:bodyPr wrap="square" rtlCol="0">
+            <a:spAutoFit/>
+          </a:bodyPr>
+          <a:lstStyle/>
+          <a:p>
+            <a:r>
+              <a:rPr lang="en-US" b="1" dirty="0"/>
+              <a:t>When Temperature becomes abnormal</a:t>
+            </a:r>
+          </a:p>
+          <a:p>
+            <a:r>
+              <a:rPr lang="en-US" dirty="0"/>
+              <a:t>Temperature drops to 23°C:</a:t>
+            </a:r>
+          </a:p>
+          <a:p>
+            <a:pPr marL="285750" indent="-285750">
+              <a:buFont typeface="Arial" panose="020B0604020202020204" pitchFamily="34" charset="0"/>
+              <a:buChar char="•"/>
+            </a:pPr>
+            <a:r>
+              <a:rPr lang="en-US" dirty="0" err="1"/>
+              <a:t>t_ab</a:t>
+            </a:r>
+            <a:r>
+              <a:rPr lang="en-US" dirty="0"/>
+              <a:t> = 1</a:t>
+            </a:r>
+          </a:p>
+          <a:p>
+            <a:pPr marL="285750" indent="-285750">
+              <a:buFont typeface="Arial" panose="020B0604020202020204" pitchFamily="34" charset="0"/>
+              <a:buChar char="•"/>
+            </a:pPr>
+            <a:r>
+              <a:rPr lang="en-US" dirty="0" err="1"/>
+              <a:t>abnormal_final</a:t>
+            </a:r>
+            <a:r>
+              <a:rPr lang="en-US" dirty="0"/>
+              <a:t> = 1</a:t>
+            </a:r>
+          </a:p>
+          <a:p>
+            <a:r>
+              <a:rPr lang="en-US" dirty="0"/>
+              <a:t>➡️ </a:t>
+            </a:r>
+            <a:r>
+              <a:rPr lang="en-US" b="1" dirty="0"/>
+              <a:t>Low Body Temperature Alert Activated</a:t>
+            </a:r>
+            <a:endParaRPr lang="en-US" dirty="0"/>
+          </a:p>
+          <a:p>
+            <a:endParaRPr lang="en-US" dirty="0"/>
+          </a:p>
+          <a:p>
+            <a:r>
+              <a:rPr lang="en-US" b="1" dirty="0"/>
+              <a:t>When Blood Pressure becomes abnormal</a:t>
+            </a:r>
+          </a:p>
+          <a:p>
+            <a:r>
+              <a:rPr lang="en-US" dirty="0"/>
+              <a:t>Sys = 0x6E (110) is normal</a:t>
+            </a:r>
+            <a:br>
+              <a:rPr lang="en-US" dirty="0"/>
+            </a:br>
+            <a:r>
+              <a:rPr lang="en-US" dirty="0"/>
+              <a:t>Dia = 0x46 (70) is normal</a:t>
+            </a:r>
+          </a:p>
+          <a:p>
+            <a:r>
+              <a:rPr lang="en-US" dirty="0"/>
+              <a:t>But when BP values change to abnormal thresholds in next cycles:</a:t>
+            </a:r>
+          </a:p>
+          <a:p>
+            <a:pPr marL="285750" indent="-285750">
+              <a:buFont typeface="Arial" panose="020B0604020202020204" pitchFamily="34" charset="0"/>
+              <a:buChar char="•"/>
+            </a:pPr>
+            <a:r>
+              <a:rPr lang="en-US" dirty="0" err="1"/>
+              <a:t>bp_ab</a:t>
+            </a:r>
+            <a:r>
+              <a:rPr lang="en-US" dirty="0"/>
+              <a:t> = 1</a:t>
+            </a:r>
+          </a:p>
+          <a:p>
+            <a:pPr marL="285750" indent="-285750">
+              <a:buFont typeface="Arial" panose="020B0604020202020204" pitchFamily="34" charset="0"/>
+              <a:buChar char="•"/>
+            </a:pPr>
+            <a:r>
+              <a:rPr lang="en-US" dirty="0" err="1"/>
+              <a:t>abnormal_final</a:t>
+            </a:r>
+            <a:r>
+              <a:rPr lang="en-US" dirty="0"/>
+              <a:t> = 1</a:t>
+            </a:r>
+          </a:p>
+          <a:p>
+            <a:r>
+              <a:rPr lang="en-US" dirty="0"/>
+              <a:t>➡️ </a:t>
+            </a:r>
+            <a:r>
+              <a:rPr lang="en-US" b="1" dirty="0"/>
+              <a:t>BP Alert Activated</a:t>
+            </a:r>
+            <a:endParaRPr lang="en-US" dirty="0"/>
+          </a:p>
+        </p:txBody>
+      </p:sp>
+      <p:sp>
+        <p:nvSpPr>
+          <p:cNvPr id="8" name="TextBox 7">
+            <a:extLst>
+              <a:ext uri="{FF2B5EF4-FFF2-40B4-BE49-F238E27FC236}">
+                <a16:creationId xmlns:a16="http://schemas.microsoft.com/office/drawing/2014/main" id="{DDCE3D19-9BA5-10A2-C9FC-64B3D726D674}"/>
+              </a:ext>
+            </a:extLst>
+          </p:cNvPr>
+          <p:cNvSpPr txBox="1"/>
+          <p:nvPr/>
+        </p:nvSpPr>
+        <p:spPr>
+          <a:xfrm>
+            <a:off x="0" y="4246106"/>
+            <a:ext cx="12191999" cy="2246769"/>
+          </a:xfrm>
+          <a:prstGeom prst="rect">
+            <a:avLst/>
+          </a:prstGeom>
+          <a:noFill/>
+        </p:spPr>
+        <p:txBody>
+          <a:bodyPr wrap="square" rtlCol="0">
+            <a:spAutoFit/>
+          </a:bodyPr>
+          <a:lstStyle/>
+          <a:p>
+            <a:r>
+              <a:rPr lang="en-US" dirty="0"/>
+              <a:t>“In this simulation, we tested the four major vital sign monitors.</a:t>
+            </a:r>
+            <a:br>
+              <a:rPr lang="en-US" dirty="0"/>
+            </a:br>
+            <a:r>
+              <a:rPr lang="en-US" dirty="0"/>
+              <a:t>Each parameter has predefined medical normal ranges.</a:t>
+            </a:r>
+          </a:p>
+          <a:p>
+            <a:r>
+              <a:rPr lang="en-US" dirty="0"/>
+              <a:t>During the simulation:</a:t>
+            </a:r>
+          </a:p>
+          <a:p>
+            <a:pPr marL="285750" indent="-285750">
+              <a:buFont typeface="Arial" panose="020B0604020202020204" pitchFamily="34" charset="0"/>
+              <a:buChar char="•"/>
+            </a:pPr>
+            <a:r>
+              <a:rPr lang="en-US" dirty="0"/>
+              <a:t>When parameters were within range, all abnormal flags remained </a:t>
+            </a:r>
+            <a:r>
+              <a:rPr lang="en-US" b="1" dirty="0"/>
+              <a:t>0</a:t>
+            </a:r>
+            <a:endParaRPr lang="en-US" dirty="0"/>
+          </a:p>
+          <a:p>
+            <a:pPr marL="285750" indent="-285750">
+              <a:buFont typeface="Arial" panose="020B0604020202020204" pitchFamily="34" charset="0"/>
+              <a:buChar char="•"/>
+            </a:pPr>
+            <a:r>
+              <a:rPr lang="en-US" dirty="0"/>
+              <a:t>When any parameter exceeded the threshold, its corresponding abnormal flag became </a:t>
+            </a:r>
+            <a:r>
+              <a:rPr lang="en-US" b="1" dirty="0"/>
+              <a:t>1</a:t>
+            </a:r>
+            <a:endParaRPr lang="en-US" dirty="0"/>
+          </a:p>
+          <a:p>
+            <a:pPr marL="285750" indent="-285750">
+              <a:buFont typeface="Arial" panose="020B0604020202020204" pitchFamily="34" charset="0"/>
+              <a:buChar char="•"/>
+            </a:pPr>
+            <a:r>
+              <a:rPr lang="en-US" dirty="0"/>
+              <a:t>The final signal </a:t>
+            </a:r>
+            <a:r>
+              <a:rPr lang="en-US" dirty="0" err="1"/>
+              <a:t>abnormal_final</a:t>
+            </a:r>
+            <a:r>
+              <a:rPr lang="en-US" dirty="0"/>
+              <a:t> is an OR combination of all individual abnormal flags</a:t>
+            </a:r>
+          </a:p>
+          <a:p>
+            <a:pPr marL="285750" indent="-285750">
+              <a:buFont typeface="Arial" panose="020B0604020202020204" pitchFamily="34" charset="0"/>
+              <a:buChar char="•"/>
+            </a:pPr>
+            <a:r>
+              <a:rPr lang="en-US" dirty="0"/>
+              <a:t>So, if ANY vital sign becomes abnormal, the system immediately detects and reports it</a:t>
+            </a:r>
+          </a:p>
+          <a:p>
+            <a:r>
+              <a:rPr lang="en-US" dirty="0"/>
+              <a:t>This simulates the behavior of our FPGA-based patient monitoring system in the health tracking project. The waveforms confirm that the logic works correctly.”</a:t>
+            </a:r>
+          </a:p>
+          <a:p>
+            <a:endParaRPr lang="en-US" dirty="0"/>
+          </a:p>
+        </p:txBody>
+      </p:sp>
+    </p:spTree>
+    <p:extLst>
+      <p:ext uri="{BB962C8B-B14F-4D97-AF65-F5344CB8AC3E}">
+        <p14:creationId xmlns:p14="http://schemas.microsoft.com/office/powerpoint/2010/main" val="3254685343"/>
+      </p:ext>
+    </p:extLst>
+  </p:cSld>
+  <p:clrMapOvr>
+    <a:masterClrMapping/>
+  </p:clrMapOvr>
+</p:sld>
+</file>
+
+<file path=ppt/slides/slide12.xml><?xml version="1.0" encoding="utf-8"?>
+<p:sld xmlns:a="http://schemas.openxmlformats.org/drawingml/2006/main" xmlns:r="http://schemas.openxmlformats.org/officeDocument/2006/relationships" xmlns:p="http://schemas.openxmlformats.org/presentationml/2006/main">
+  <p:cSld>
+    <p:spTree>
+      <p:nvGrpSpPr>
+        <p:cNvPr id="1" name="">
+          <a:extLst>
+            <a:ext uri="{FF2B5EF4-FFF2-40B4-BE49-F238E27FC236}">
               <a16:creationId xmlns:a16="http://schemas.microsoft.com/office/drawing/2014/main" id="{B7EA98FA-4F35-C93F-73A2-485950D05BBB}"/>
             </a:ext>
           </a:extLst>
@@ -8160,7 +8935,7 @@
             </a:pPr>
             <a:fld id="{00000000-1234-1234-1234-123412341234}" type="slidenum">
               <a:rPr lang="en-US" smtClean="0"/>
-              <a:t>11</a:t>
+              <a:t>12</a:t>
             </a:fld>
             <a:endParaRPr lang="en-US" dirty="0"/>
           </a:p>
@@ -8541,7 +9316,7 @@
 </p:sld>
 </file>
 
-<file path=ppt/slides/slide12.xml><?xml version="1.0" encoding="utf-8"?>
+<file path=ppt/slides/slide13.xml><?xml version="1.0" encoding="utf-8"?>
 <p:sld xmlns:a="http://schemas.openxmlformats.org/drawingml/2006/main" xmlns:r="http://schemas.openxmlformats.org/officeDocument/2006/relationships" xmlns:p="http://schemas.openxmlformats.org/presentationml/2006/main">
   <p:cSld>
     <p:spTree>

--- a/Project review 2 ppt[1].pptx
+++ b/Project review 2 ppt[1].pptx
@@ -5,10 +5,10 @@
     <p:sldMasterId id="2147483648" r:id="rId1"/>
   </p:sldMasterIdLst>
   <p:notesMasterIdLst>
-    <p:notesMasterId r:id="rId15"/>
+    <p:notesMasterId r:id="rId18"/>
   </p:notesMasterIdLst>
   <p:handoutMasterIdLst>
-    <p:handoutMasterId r:id="rId16"/>
+    <p:handoutMasterId r:id="rId19"/>
   </p:handoutMasterIdLst>
   <p:sldIdLst>
     <p:sldId id="531" r:id="rId2"/>
@@ -22,59 +22,62 @@
     <p:sldId id="535" r:id="rId10"/>
     <p:sldId id="536" r:id="rId11"/>
     <p:sldId id="537" r:id="rId12"/>
-    <p:sldId id="307" r:id="rId13"/>
-    <p:sldId id="301" r:id="rId14"/>
+    <p:sldId id="539" r:id="rId13"/>
+    <p:sldId id="540" r:id="rId14"/>
+    <p:sldId id="307" r:id="rId15"/>
+    <p:sldId id="538" r:id="rId16"/>
+    <p:sldId id="301" r:id="rId17"/>
   </p:sldIdLst>
   <p:sldSz cx="12192000" cy="6858000"/>
   <p:notesSz cx="6858000" cy="9144000"/>
   <p:embeddedFontLst>
     <p:embeddedFont>
       <p:font typeface="Aharoni" panose="02010803020104030203" pitchFamily="2" charset="-79"/>
-      <p:bold r:id="rId17"/>
+      <p:bold r:id="rId20"/>
     </p:embeddedFont>
     <p:embeddedFont>
       <p:font typeface="Montserrat" panose="00000500000000000000" pitchFamily="2" charset="0"/>
-      <p:regular r:id="rId18"/>
-      <p:bold r:id="rId19"/>
-      <p:italic r:id="rId20"/>
-      <p:boldItalic r:id="rId21"/>
+      <p:regular r:id="rId21"/>
+      <p:bold r:id="rId22"/>
+      <p:italic r:id="rId23"/>
+      <p:boldItalic r:id="rId24"/>
     </p:embeddedFont>
     <p:embeddedFont>
       <p:font typeface="Montserrat Medium" panose="00000600000000000000" pitchFamily="2" charset="0"/>
-      <p:regular r:id="rId22"/>
-      <p:italic r:id="rId23"/>
+      <p:regular r:id="rId25"/>
+      <p:italic r:id="rId26"/>
     </p:embeddedFont>
     <p:embeddedFont>
       <p:font typeface="Open Sans" panose="020B0606030504020204" pitchFamily="34" charset="0"/>
-      <p:regular r:id="rId24"/>
-      <p:bold r:id="rId25"/>
-      <p:italic r:id="rId26"/>
-      <p:boldItalic r:id="rId27"/>
+      <p:regular r:id="rId27"/>
+      <p:bold r:id="rId28"/>
+      <p:italic r:id="rId29"/>
+      <p:boldItalic r:id="rId30"/>
     </p:embeddedFont>
     <p:embeddedFont>
       <p:font typeface="Plus Jakarta Sans" panose="020B0604020202020204" charset="0"/>
-      <p:regular r:id="rId28"/>
-      <p:bold r:id="rId29"/>
-      <p:italic r:id="rId30"/>
-      <p:boldItalic r:id="rId31"/>
+      <p:regular r:id="rId31"/>
+      <p:bold r:id="rId32"/>
+      <p:italic r:id="rId33"/>
+      <p:boldItalic r:id="rId34"/>
     </p:embeddedFont>
     <p:embeddedFont>
       <p:font typeface="Poppins SemiBold" panose="00000700000000000000" pitchFamily="2" charset="0"/>
-      <p:regular r:id="rId32"/>
-      <p:bold r:id="rId33"/>
-      <p:italic r:id="rId34"/>
-      <p:boldItalic r:id="rId35"/>
+      <p:regular r:id="rId35"/>
+      <p:bold r:id="rId36"/>
+      <p:italic r:id="rId37"/>
+      <p:boldItalic r:id="rId38"/>
     </p:embeddedFont>
     <p:embeddedFont>
       <p:font typeface="Verdana" panose="020B0604030504040204" pitchFamily="34" charset="0"/>
-      <p:regular r:id="rId36"/>
-      <p:bold r:id="rId37"/>
-      <p:italic r:id="rId38"/>
-      <p:boldItalic r:id="rId39"/>
+      <p:regular r:id="rId39"/>
+      <p:bold r:id="rId40"/>
+      <p:italic r:id="rId41"/>
+      <p:boldItalic r:id="rId42"/>
     </p:embeddedFont>
   </p:embeddedFontLst>
   <p:custDataLst>
-    <p:tags r:id="rId40"/>
+    <p:tags r:id="rId43"/>
   </p:custDataLst>
   <p:defaultTextStyle>
     <a:defPPr marR="0" lvl="0" algn="l" rtl="0">
@@ -313,7 +316,7 @@
       <p15:notesGuideLst xmlns:p15="http://schemas.microsoft.com/office/powerpoint/2012/main"/>
     </p:ext>
     <p:ext uri="GoogleSlidesCustomDataVersion2">
-      <go:slidesCustomData xmlns="" xmlns:mc="http://schemas.openxmlformats.org/markup-compatibility/2006" xmlns:mv="urn:schemas-microsoft-com:mac:vml" xmlns:c="http://schemas.openxmlformats.org/drawingml/2006/chart" xmlns:dgm="http://schemas.openxmlformats.org/drawingml/2006/diagram" xmlns:o="urn:schemas-microsoft-com:office:office" xmlns:v="urn:schemas-microsoft-com:vml" xmlns:pvml="urn:schemas-microsoft-com:office:powerpoint" xmlns:com="http://schemas.openxmlformats.org/drawingml/2006/compatibility" xmlns:p14="http://schemas.microsoft.com/office/powerpoint/2010/main" xmlns:p15="http://schemas.microsoft.com/office/powerpoint/2012/main" xmlns:ahyp="http://schemas.microsoft.com/office/drawing/2018/hyperlinkcolor" xmlns:go="http://customooxmlschemas.google.com/" r:id="rId87" roundtripDataSignature="AMtx7miIyBGqFJiBIVMPSSJVJ08VgmQ4iw=="/>
+      <go:slidesCustomData xmlns:go="http://customooxmlschemas.google.com/" xmlns:ahyp="http://schemas.microsoft.com/office/drawing/2018/hyperlinkcolor" xmlns:p15="http://schemas.microsoft.com/office/powerpoint/2012/main" xmlns:p14="http://schemas.microsoft.com/office/powerpoint/2010/main" xmlns:com="http://schemas.openxmlformats.org/drawingml/2006/compatibility" xmlns:pvml="urn:schemas-microsoft-com:office:powerpoint" xmlns:v="urn:schemas-microsoft-com:vml" xmlns:o="urn:schemas-microsoft-com:office:office" xmlns:dgm="http://schemas.openxmlformats.org/drawingml/2006/diagram" xmlns:c="http://schemas.openxmlformats.org/drawingml/2006/chart" xmlns:mv="urn:schemas-microsoft-com:mac:vml" xmlns:mc="http://schemas.openxmlformats.org/markup-compatibility/2006" xmlns="" r:id="rId87" roundtripDataSignature="AMtx7miIyBGqFJiBIVMPSSJVJ08VgmQ4iw=="/>
     </p:ext>
   </p:extLst>
 </p:presentation>
@@ -7910,12 +7913,16 @@
   <p:clrMapOvr>
     <a:masterClrMapping/>
   </p:clrMapOvr>
-  <mc:AlternateContent xmlns:mc="http://schemas.openxmlformats.org/markup-compatibility/2006" xmlns:p14="http://schemas.microsoft.com/office/powerpoint/2010/main">
-    <mc:Choice Requires="p14">
-      <p:transition spd="slow" p14:dur="2000" advTm="15272"/>
+  <mc:AlternateContent xmlns:mc="http://schemas.openxmlformats.org/markup-compatibility/2006">
+    <mc:Choice xmlns:p14="http://schemas.microsoft.com/office/powerpoint/2010/main" Requires="p14">
+      <p:transition spd="med" p14:dur="700" advTm="15272">
+        <p:fade/>
+      </p:transition>
     </mc:Choice>
-    <mc:Fallback xmlns="">
-      <p:transition spd="slow" advTm="15272"/>
+    <mc:Fallback>
+      <p:transition spd="med" advTm="15272">
+        <p:fade/>
+      </p:transition>
     </mc:Fallback>
   </mc:AlternateContent>
 </p:sld>
@@ -8103,6 +8110,18 @@
   <p:clrMapOvr>
     <a:masterClrMapping/>
   </p:clrMapOvr>
+  <mc:AlternateContent xmlns:mc="http://schemas.openxmlformats.org/markup-compatibility/2006">
+    <mc:Choice xmlns:p14="http://schemas.microsoft.com/office/powerpoint/2010/main" Requires="p14">
+      <p:transition spd="med">
+        <p14:reveal/>
+      </p:transition>
+    </mc:Choice>
+    <mc:Fallback>
+      <p:transition spd="med">
+        <p:fade/>
+      </p:transition>
+    </mc:Fallback>
+  </mc:AlternateContent>
 </p:sld>
 </file>
 
@@ -8370,7 +8389,7 @@
             </a:r>
             <a:r>
               <a:rPr lang="en-US" dirty="0"/>
-              <a:t> = </a:t>
+              <a:t> = 0</a:t>
             </a:r>
           </a:p>
           <a:p>
@@ -8459,7 +8478,7 @@
         </p:nvSpPr>
         <p:spPr>
           <a:xfrm>
-            <a:off x="4645152" y="667512"/>
+            <a:off x="4599432" y="667512"/>
             <a:ext cx="4262840" cy="3539430"/>
           </a:xfrm>
           <a:prstGeom prst="rect">
@@ -8481,7 +8500,7 @@
           <a:p>
             <a:r>
               <a:rPr lang="en-US" dirty="0"/>
-              <a:t>Later, BPM transitions from 0x32 (50) to 0x64 (100), then above the upper limit.</a:t>
+              <a:t>Later, BPM transitions from 0x3c (60) to 0x64 (100), then above the upper limit.</a:t>
             </a:r>
           </a:p>
           <a:p>
@@ -8877,10 +8896,1994 @@
   <p:clrMapOvr>
     <a:masterClrMapping/>
   </p:clrMapOvr>
+  <mc:AlternateContent xmlns:mc="http://schemas.openxmlformats.org/markup-compatibility/2006">
+    <mc:Choice xmlns:p14="http://schemas.microsoft.com/office/powerpoint/2010/main" Requires="p14">
+      <p:transition spd="med">
+        <p14:reveal/>
+      </p:transition>
+    </mc:Choice>
+    <mc:Fallback>
+      <p:transition spd="med">
+        <p:fade/>
+      </p:transition>
+    </mc:Fallback>
+  </mc:AlternateContent>
 </p:sld>
 </file>
 
 <file path=ppt/slides/slide12.xml><?xml version="1.0" encoding="utf-8"?>
+<p:sld xmlns:a="http://schemas.openxmlformats.org/drawingml/2006/main" xmlns:r="http://schemas.openxmlformats.org/officeDocument/2006/relationships" xmlns:p="http://schemas.openxmlformats.org/presentationml/2006/main">
+  <p:cSld>
+    <p:spTree>
+      <p:nvGrpSpPr>
+        <p:cNvPr id="1" name=""/>
+        <p:cNvGrpSpPr/>
+        <p:nvPr/>
+      </p:nvGrpSpPr>
+      <p:grpSpPr>
+        <a:xfrm>
+          <a:off x="0" y="0"/>
+          <a:ext cx="0" cy="0"/>
+          <a:chOff x="0" y="0"/>
+          <a:chExt cx="0" cy="0"/>
+        </a:xfrm>
+      </p:grpSpPr>
+      <p:sp>
+        <p:nvSpPr>
+          <p:cNvPr id="3" name="Slide Number Placeholder 2">
+            <a:extLst>
+              <a:ext uri="{FF2B5EF4-FFF2-40B4-BE49-F238E27FC236}">
+                <a16:creationId xmlns:a16="http://schemas.microsoft.com/office/drawing/2014/main" id="{6076A772-429E-89B6-A285-2D4543F96141}"/>
+              </a:ext>
+            </a:extLst>
+          </p:cNvPr>
+          <p:cNvSpPr>
+            <a:spLocks noGrp="1"/>
+          </p:cNvSpPr>
+          <p:nvPr>
+            <p:ph type="sldNum" idx="12"/>
+          </p:nvPr>
+        </p:nvSpPr>
+        <p:spPr/>
+        <p:txBody>
+          <a:bodyPr/>
+          <a:lstStyle/>
+          <a:p>
+            <a:pPr marL="0" lvl="0" indent="0" algn="r" rtl="0">
+              <a:spcBef>
+                <a:spcPts val="0"/>
+              </a:spcBef>
+              <a:spcAft>
+                <a:spcPts val="0"/>
+              </a:spcAft>
+              <a:buNone/>
+            </a:pPr>
+            <a:fld id="{00000000-1234-1234-1234-123412341234}" type="slidenum">
+              <a:rPr lang="en-US" smtClean="0"/>
+              <a:t>12</a:t>
+            </a:fld>
+            <a:endParaRPr lang="en-US" dirty="0"/>
+          </a:p>
+        </p:txBody>
+      </p:sp>
+      <p:graphicFrame>
+        <p:nvGraphicFramePr>
+          <p:cNvPr id="4" name="Table 3">
+            <a:extLst>
+              <a:ext uri="{FF2B5EF4-FFF2-40B4-BE49-F238E27FC236}">
+                <a16:creationId xmlns:a16="http://schemas.microsoft.com/office/drawing/2014/main" id="{26080549-7803-CF45-158D-B9AD08F05141}"/>
+              </a:ext>
+            </a:extLst>
+          </p:cNvPr>
+          <p:cNvGraphicFramePr>
+            <a:graphicFrameLocks noGrp="1"/>
+          </p:cNvGraphicFramePr>
+          <p:nvPr>
+            <p:extLst>
+              <p:ext uri="{D42A27DB-BD31-4B8C-83A1-F6EECF244321}">
+                <p14:modId xmlns:p14="http://schemas.microsoft.com/office/powerpoint/2010/main" val="4073703686"/>
+              </p:ext>
+            </p:extLst>
+          </p:nvPr>
+        </p:nvGraphicFramePr>
+        <p:xfrm>
+          <a:off x="1958848" y="445346"/>
+          <a:ext cx="8128000" cy="2966720"/>
+        </p:xfrm>
+        <a:graphic>
+          <a:graphicData uri="http://schemas.openxmlformats.org/drawingml/2006/table">
+            <a:tbl>
+              <a:tblPr firstRow="1" bandRow="1">
+                <a:tableStyleId>{DE7AD339-51BE-4A38-A1C7-CCF28897F289}</a:tableStyleId>
+              </a:tblPr>
+              <a:tblGrid>
+                <a:gridCol w="2032000">
+                  <a:extLst>
+                    <a:ext uri="{9D8B030D-6E8A-4147-A177-3AD203B41FA5}">
+                      <a16:colId xmlns:a16="http://schemas.microsoft.com/office/drawing/2014/main" val="3825326908"/>
+                    </a:ext>
+                  </a:extLst>
+                </a:gridCol>
+                <a:gridCol w="2263648">
+                  <a:extLst>
+                    <a:ext uri="{9D8B030D-6E8A-4147-A177-3AD203B41FA5}">
+                      <a16:colId xmlns:a16="http://schemas.microsoft.com/office/drawing/2014/main" val="3585198443"/>
+                    </a:ext>
+                  </a:extLst>
+                </a:gridCol>
+                <a:gridCol w="1800352">
+                  <a:extLst>
+                    <a:ext uri="{9D8B030D-6E8A-4147-A177-3AD203B41FA5}">
+                      <a16:colId xmlns:a16="http://schemas.microsoft.com/office/drawing/2014/main" val="2546397692"/>
+                    </a:ext>
+                  </a:extLst>
+                </a:gridCol>
+                <a:gridCol w="2032000">
+                  <a:extLst>
+                    <a:ext uri="{9D8B030D-6E8A-4147-A177-3AD203B41FA5}">
+                      <a16:colId xmlns:a16="http://schemas.microsoft.com/office/drawing/2014/main" val="3662968008"/>
+                    </a:ext>
+                  </a:extLst>
+                </a:gridCol>
+              </a:tblGrid>
+              <a:tr h="370840">
+                <a:tc gridSpan="4">
+                  <a:txBody>
+                    <a:bodyPr/>
+                    <a:lstStyle/>
+                    <a:p>
+                      <a:pPr algn="ctr"/>
+                      <a:r>
+                        <a:rPr lang="en-US" dirty="0"/>
+                        <a:t>Truth Table of Temperature</a:t>
+                      </a:r>
+                    </a:p>
+                  </a:txBody>
+                  <a:tcPr/>
+                </a:tc>
+                <a:tc hMerge="1">
+                  <a:txBody>
+                    <a:bodyPr/>
+                    <a:lstStyle/>
+                    <a:p>
+                      <a:endParaRPr lang="en-US" dirty="0"/>
+                    </a:p>
+                  </a:txBody>
+                  <a:tcPr/>
+                </a:tc>
+                <a:tc hMerge="1">
+                  <a:txBody>
+                    <a:bodyPr/>
+                    <a:lstStyle/>
+                    <a:p>
+                      <a:endParaRPr lang="en-US" dirty="0"/>
+                    </a:p>
+                  </a:txBody>
+                  <a:tcPr/>
+                </a:tc>
+                <a:tc hMerge="1">
+                  <a:txBody>
+                    <a:bodyPr/>
+                    <a:lstStyle/>
+                    <a:p>
+                      <a:endParaRPr lang="en-US" dirty="0"/>
+                    </a:p>
+                  </a:txBody>
+                  <a:tcPr/>
+                </a:tc>
+                <a:extLst>
+                  <a:ext uri="{0D108BD9-81ED-4DB2-BD59-A6C34878D82A}">
+                    <a16:rowId xmlns:a16="http://schemas.microsoft.com/office/drawing/2014/main" val="315416783"/>
+                  </a:ext>
+                </a:extLst>
+              </a:tr>
+              <a:tr h="370840">
+                <a:tc>
+                  <a:txBody>
+                    <a:bodyPr/>
+                    <a:lstStyle/>
+                    <a:p>
+                      <a:r>
+                        <a:rPr lang="en-US" dirty="0" err="1"/>
+                        <a:t>temp_value</a:t>
+                      </a:r>
+                      <a:r>
+                        <a:rPr lang="en-US" dirty="0"/>
+                        <a:t> (Hex)</a:t>
+                      </a:r>
+                    </a:p>
+                  </a:txBody>
+                  <a:tcPr/>
+                </a:tc>
+                <a:tc>
+                  <a:txBody>
+                    <a:bodyPr/>
+                    <a:lstStyle/>
+                    <a:p>
+                      <a:r>
+                        <a:rPr lang="en-US" dirty="0"/>
+                        <a:t>Decimal </a:t>
+                      </a:r>
+                      <a:r>
+                        <a:rPr lang="en-US" dirty="0" err="1"/>
+                        <a:t>equi</a:t>
+                      </a:r>
+                      <a:r>
+                        <a:rPr lang="en-US" dirty="0"/>
+                        <a:t> (degree C)</a:t>
+                      </a:r>
+                    </a:p>
+                  </a:txBody>
+                  <a:tcPr/>
+                </a:tc>
+                <a:tc>
+                  <a:txBody>
+                    <a:bodyPr/>
+                    <a:lstStyle/>
+                    <a:p>
+                      <a:r>
+                        <a:rPr lang="en-US" dirty="0"/>
+                        <a:t>Abnormal</a:t>
+                      </a:r>
+                    </a:p>
+                  </a:txBody>
+                  <a:tcPr/>
+                </a:tc>
+                <a:tc>
+                  <a:txBody>
+                    <a:bodyPr/>
+                    <a:lstStyle/>
+                    <a:p>
+                      <a:r>
+                        <a:rPr lang="en-US" dirty="0"/>
+                        <a:t>Reason</a:t>
+                      </a:r>
+                    </a:p>
+                  </a:txBody>
+                  <a:tcPr/>
+                </a:tc>
+                <a:extLst>
+                  <a:ext uri="{0D108BD9-81ED-4DB2-BD59-A6C34878D82A}">
+                    <a16:rowId xmlns:a16="http://schemas.microsoft.com/office/drawing/2014/main" val="2483600653"/>
+                  </a:ext>
+                </a:extLst>
+              </a:tr>
+              <a:tr h="370840">
+                <a:tc>
+                  <a:txBody>
+                    <a:bodyPr/>
+                    <a:lstStyle/>
+                    <a:p>
+                      <a:r>
+                        <a:rPr lang="en-US" dirty="0"/>
+                        <a:t>23</a:t>
+                      </a:r>
+                    </a:p>
+                  </a:txBody>
+                  <a:tcPr/>
+                </a:tc>
+                <a:tc>
+                  <a:txBody>
+                    <a:bodyPr/>
+                    <a:lstStyle/>
+                    <a:p>
+                      <a:r>
+                        <a:rPr lang="en-US" dirty="0"/>
+                        <a:t>35</a:t>
+                      </a:r>
+                    </a:p>
+                  </a:txBody>
+                  <a:tcPr/>
+                </a:tc>
+                <a:tc>
+                  <a:txBody>
+                    <a:bodyPr/>
+                    <a:lstStyle/>
+                    <a:p>
+                      <a:r>
+                        <a:rPr lang="en-US" dirty="0"/>
+                        <a:t>1</a:t>
+                      </a:r>
+                    </a:p>
+                  </a:txBody>
+                  <a:tcPr/>
+                </a:tc>
+                <a:tc>
+                  <a:txBody>
+                    <a:bodyPr/>
+                    <a:lstStyle/>
+                    <a:p>
+                      <a:r>
+                        <a:rPr lang="en-US" dirty="0"/>
+                        <a:t>Too low</a:t>
+                      </a:r>
+                    </a:p>
+                  </a:txBody>
+                  <a:tcPr/>
+                </a:tc>
+                <a:extLst>
+                  <a:ext uri="{0D108BD9-81ED-4DB2-BD59-A6C34878D82A}">
+                    <a16:rowId xmlns:a16="http://schemas.microsoft.com/office/drawing/2014/main" val="1399205639"/>
+                  </a:ext>
+                </a:extLst>
+              </a:tr>
+              <a:tr h="370840">
+                <a:tc>
+                  <a:txBody>
+                    <a:bodyPr/>
+                    <a:lstStyle/>
+                    <a:p>
+                      <a:r>
+                        <a:rPr lang="en-US" dirty="0"/>
+                        <a:t>24</a:t>
+                      </a:r>
+                    </a:p>
+                  </a:txBody>
+                  <a:tcPr/>
+                </a:tc>
+                <a:tc>
+                  <a:txBody>
+                    <a:bodyPr/>
+                    <a:lstStyle/>
+                    <a:p>
+                      <a:r>
+                        <a:rPr lang="en-US" dirty="0"/>
+                        <a:t>36</a:t>
+                      </a:r>
+                    </a:p>
+                  </a:txBody>
+                  <a:tcPr/>
+                </a:tc>
+                <a:tc>
+                  <a:txBody>
+                    <a:bodyPr/>
+                    <a:lstStyle/>
+                    <a:p>
+                      <a:r>
+                        <a:rPr lang="en-US" dirty="0"/>
+                        <a:t>0</a:t>
+                      </a:r>
+                    </a:p>
+                  </a:txBody>
+                  <a:tcPr/>
+                </a:tc>
+                <a:tc>
+                  <a:txBody>
+                    <a:bodyPr/>
+                    <a:lstStyle/>
+                    <a:p>
+                      <a:r>
+                        <a:rPr lang="en-US" dirty="0"/>
+                        <a:t>Within normal range</a:t>
+                      </a:r>
+                    </a:p>
+                  </a:txBody>
+                  <a:tcPr/>
+                </a:tc>
+                <a:extLst>
+                  <a:ext uri="{0D108BD9-81ED-4DB2-BD59-A6C34878D82A}">
+                    <a16:rowId xmlns:a16="http://schemas.microsoft.com/office/drawing/2014/main" val="1257164887"/>
+                  </a:ext>
+                </a:extLst>
+              </a:tr>
+              <a:tr h="370840">
+                <a:tc>
+                  <a:txBody>
+                    <a:bodyPr/>
+                    <a:lstStyle/>
+                    <a:p>
+                      <a:r>
+                        <a:rPr lang="en-US" dirty="0"/>
+                        <a:t>25</a:t>
+                      </a:r>
+                    </a:p>
+                  </a:txBody>
+                  <a:tcPr/>
+                </a:tc>
+                <a:tc>
+                  <a:txBody>
+                    <a:bodyPr/>
+                    <a:lstStyle/>
+                    <a:p>
+                      <a:r>
+                        <a:rPr lang="en-US" dirty="0"/>
+                        <a:t>37</a:t>
+                      </a:r>
+                    </a:p>
+                  </a:txBody>
+                  <a:tcPr/>
+                </a:tc>
+                <a:tc>
+                  <a:txBody>
+                    <a:bodyPr/>
+                    <a:lstStyle/>
+                    <a:p>
+                      <a:r>
+                        <a:rPr lang="en-US" dirty="0"/>
+                        <a:t>0</a:t>
+                      </a:r>
+                    </a:p>
+                  </a:txBody>
+                  <a:tcPr/>
+                </a:tc>
+                <a:tc>
+                  <a:txBody>
+                    <a:bodyPr/>
+                    <a:lstStyle/>
+                    <a:p>
+                      <a:r>
+                        <a:rPr lang="en-US" dirty="0"/>
+                        <a:t>Within normal range</a:t>
+                      </a:r>
+                    </a:p>
+                  </a:txBody>
+                  <a:tcPr/>
+                </a:tc>
+                <a:extLst>
+                  <a:ext uri="{0D108BD9-81ED-4DB2-BD59-A6C34878D82A}">
+                    <a16:rowId xmlns:a16="http://schemas.microsoft.com/office/drawing/2014/main" val="3216092080"/>
+                  </a:ext>
+                </a:extLst>
+              </a:tr>
+              <a:tr h="370840">
+                <a:tc>
+                  <a:txBody>
+                    <a:bodyPr/>
+                    <a:lstStyle/>
+                    <a:p>
+                      <a:r>
+                        <a:rPr lang="en-US" dirty="0"/>
+                        <a:t>26</a:t>
+                      </a:r>
+                    </a:p>
+                  </a:txBody>
+                  <a:tcPr/>
+                </a:tc>
+                <a:tc>
+                  <a:txBody>
+                    <a:bodyPr/>
+                    <a:lstStyle/>
+                    <a:p>
+                      <a:r>
+                        <a:rPr lang="en-US" dirty="0"/>
+                        <a:t>38</a:t>
+                      </a:r>
+                    </a:p>
+                  </a:txBody>
+                  <a:tcPr/>
+                </a:tc>
+                <a:tc>
+                  <a:txBody>
+                    <a:bodyPr/>
+                    <a:lstStyle/>
+                    <a:p>
+                      <a:r>
+                        <a:rPr lang="en-US" dirty="0"/>
+                        <a:t>1</a:t>
+                      </a:r>
+                    </a:p>
+                  </a:txBody>
+                  <a:tcPr/>
+                </a:tc>
+                <a:tc>
+                  <a:txBody>
+                    <a:bodyPr/>
+                    <a:lstStyle/>
+                    <a:p>
+                      <a:r>
+                        <a:rPr lang="en-US" dirty="0"/>
+                        <a:t>Too high</a:t>
+                      </a:r>
+                    </a:p>
+                  </a:txBody>
+                  <a:tcPr/>
+                </a:tc>
+                <a:extLst>
+                  <a:ext uri="{0D108BD9-81ED-4DB2-BD59-A6C34878D82A}">
+                    <a16:rowId xmlns:a16="http://schemas.microsoft.com/office/drawing/2014/main" val="2862818198"/>
+                  </a:ext>
+                </a:extLst>
+              </a:tr>
+              <a:tr h="370840">
+                <a:tc>
+                  <a:txBody>
+                    <a:bodyPr/>
+                    <a:lstStyle/>
+                    <a:p>
+                      <a:r>
+                        <a:rPr lang="en-US" dirty="0"/>
+                        <a:t>27</a:t>
+                      </a:r>
+                    </a:p>
+                  </a:txBody>
+                  <a:tcPr/>
+                </a:tc>
+                <a:tc>
+                  <a:txBody>
+                    <a:bodyPr/>
+                    <a:lstStyle/>
+                    <a:p>
+                      <a:r>
+                        <a:rPr lang="en-US" dirty="0"/>
+                        <a:t>39</a:t>
+                      </a:r>
+                    </a:p>
+                  </a:txBody>
+                  <a:tcPr/>
+                </a:tc>
+                <a:tc>
+                  <a:txBody>
+                    <a:bodyPr/>
+                    <a:lstStyle/>
+                    <a:p>
+                      <a:r>
+                        <a:rPr lang="en-US" dirty="0"/>
+                        <a:t>1</a:t>
+                      </a:r>
+                    </a:p>
+                  </a:txBody>
+                  <a:tcPr/>
+                </a:tc>
+                <a:tc>
+                  <a:txBody>
+                    <a:bodyPr/>
+                    <a:lstStyle/>
+                    <a:p>
+                      <a:r>
+                        <a:rPr lang="en-US" dirty="0"/>
+                        <a:t>Above range</a:t>
+                      </a:r>
+                    </a:p>
+                  </a:txBody>
+                  <a:tcPr/>
+                </a:tc>
+                <a:extLst>
+                  <a:ext uri="{0D108BD9-81ED-4DB2-BD59-A6C34878D82A}">
+                    <a16:rowId xmlns:a16="http://schemas.microsoft.com/office/drawing/2014/main" val="3590849109"/>
+                  </a:ext>
+                </a:extLst>
+              </a:tr>
+              <a:tr h="370840">
+                <a:tc>
+                  <a:txBody>
+                    <a:bodyPr/>
+                    <a:lstStyle/>
+                    <a:p>
+                      <a:r>
+                        <a:rPr lang="en-US" dirty="0"/>
+                        <a:t>22</a:t>
+                      </a:r>
+                    </a:p>
+                  </a:txBody>
+                  <a:tcPr/>
+                </a:tc>
+                <a:tc>
+                  <a:txBody>
+                    <a:bodyPr/>
+                    <a:lstStyle/>
+                    <a:p>
+                      <a:r>
+                        <a:rPr lang="en-US" dirty="0"/>
+                        <a:t>34</a:t>
+                      </a:r>
+                    </a:p>
+                  </a:txBody>
+                  <a:tcPr/>
+                </a:tc>
+                <a:tc>
+                  <a:txBody>
+                    <a:bodyPr/>
+                    <a:lstStyle/>
+                    <a:p>
+                      <a:r>
+                        <a:rPr lang="en-US" dirty="0"/>
+                        <a:t>1</a:t>
+                      </a:r>
+                    </a:p>
+                  </a:txBody>
+                  <a:tcPr/>
+                </a:tc>
+                <a:tc>
+                  <a:txBody>
+                    <a:bodyPr/>
+                    <a:lstStyle/>
+                    <a:p>
+                      <a:r>
+                        <a:rPr lang="en-US" dirty="0"/>
+                        <a:t>Below range</a:t>
+                      </a:r>
+                    </a:p>
+                  </a:txBody>
+                  <a:tcPr/>
+                </a:tc>
+                <a:extLst>
+                  <a:ext uri="{0D108BD9-81ED-4DB2-BD59-A6C34878D82A}">
+                    <a16:rowId xmlns:a16="http://schemas.microsoft.com/office/drawing/2014/main" val="1338830330"/>
+                  </a:ext>
+                </a:extLst>
+              </a:tr>
+            </a:tbl>
+          </a:graphicData>
+        </a:graphic>
+      </p:graphicFrame>
+      <p:graphicFrame>
+        <p:nvGraphicFramePr>
+          <p:cNvPr id="5" name="Table 4">
+            <a:extLst>
+              <a:ext uri="{FF2B5EF4-FFF2-40B4-BE49-F238E27FC236}">
+                <a16:creationId xmlns:a16="http://schemas.microsoft.com/office/drawing/2014/main" id="{9767DA9C-B99E-7B62-5295-3F3534B51161}"/>
+              </a:ext>
+            </a:extLst>
+          </p:cNvPr>
+          <p:cNvGraphicFramePr>
+            <a:graphicFrameLocks noGrp="1"/>
+          </p:cNvGraphicFramePr>
+          <p:nvPr>
+            <p:extLst>
+              <p:ext uri="{D42A27DB-BD31-4B8C-83A1-F6EECF244321}">
+                <p14:modId xmlns:p14="http://schemas.microsoft.com/office/powerpoint/2010/main" val="3815236139"/>
+              </p:ext>
+            </p:extLst>
+          </p:nvPr>
+        </p:nvGraphicFramePr>
+        <p:xfrm>
+          <a:off x="2032000" y="3956642"/>
+          <a:ext cx="8128000" cy="1854200"/>
+        </p:xfrm>
+        <a:graphic>
+          <a:graphicData uri="http://schemas.openxmlformats.org/drawingml/2006/table">
+            <a:tbl>
+              <a:tblPr firstRow="1" bandRow="1">
+                <a:tableStyleId>{DE7AD339-51BE-4A38-A1C7-CCF28897F289}</a:tableStyleId>
+              </a:tblPr>
+              <a:tblGrid>
+                <a:gridCol w="2032000">
+                  <a:extLst>
+                    <a:ext uri="{9D8B030D-6E8A-4147-A177-3AD203B41FA5}">
+                      <a16:colId xmlns:a16="http://schemas.microsoft.com/office/drawing/2014/main" val="3825326908"/>
+                    </a:ext>
+                  </a:extLst>
+                </a:gridCol>
+                <a:gridCol w="2263648">
+                  <a:extLst>
+                    <a:ext uri="{9D8B030D-6E8A-4147-A177-3AD203B41FA5}">
+                      <a16:colId xmlns:a16="http://schemas.microsoft.com/office/drawing/2014/main" val="3585198443"/>
+                    </a:ext>
+                  </a:extLst>
+                </a:gridCol>
+                <a:gridCol w="1800352">
+                  <a:extLst>
+                    <a:ext uri="{9D8B030D-6E8A-4147-A177-3AD203B41FA5}">
+                      <a16:colId xmlns:a16="http://schemas.microsoft.com/office/drawing/2014/main" val="2546397692"/>
+                    </a:ext>
+                  </a:extLst>
+                </a:gridCol>
+                <a:gridCol w="2032000">
+                  <a:extLst>
+                    <a:ext uri="{9D8B030D-6E8A-4147-A177-3AD203B41FA5}">
+                      <a16:colId xmlns:a16="http://schemas.microsoft.com/office/drawing/2014/main" val="3662968008"/>
+                    </a:ext>
+                  </a:extLst>
+                </a:gridCol>
+              </a:tblGrid>
+              <a:tr h="370840">
+                <a:tc gridSpan="4">
+                  <a:txBody>
+                    <a:bodyPr/>
+                    <a:lstStyle/>
+                    <a:p>
+                      <a:pPr algn="ctr"/>
+                      <a:r>
+                        <a:rPr lang="en-US" dirty="0"/>
+                        <a:t>Truth Table of BPM (Heart Rate)</a:t>
+                      </a:r>
+                    </a:p>
+                  </a:txBody>
+                  <a:tcPr/>
+                </a:tc>
+                <a:tc hMerge="1">
+                  <a:txBody>
+                    <a:bodyPr/>
+                    <a:lstStyle/>
+                    <a:p>
+                      <a:endParaRPr lang="en-US" dirty="0"/>
+                    </a:p>
+                  </a:txBody>
+                  <a:tcPr/>
+                </a:tc>
+                <a:tc hMerge="1">
+                  <a:txBody>
+                    <a:bodyPr/>
+                    <a:lstStyle/>
+                    <a:p>
+                      <a:endParaRPr lang="en-US" dirty="0"/>
+                    </a:p>
+                  </a:txBody>
+                  <a:tcPr/>
+                </a:tc>
+                <a:tc hMerge="1">
+                  <a:txBody>
+                    <a:bodyPr/>
+                    <a:lstStyle/>
+                    <a:p>
+                      <a:endParaRPr lang="en-US" dirty="0"/>
+                    </a:p>
+                  </a:txBody>
+                  <a:tcPr/>
+                </a:tc>
+                <a:extLst>
+                  <a:ext uri="{0D108BD9-81ED-4DB2-BD59-A6C34878D82A}">
+                    <a16:rowId xmlns:a16="http://schemas.microsoft.com/office/drawing/2014/main" val="315416783"/>
+                  </a:ext>
+                </a:extLst>
+              </a:tr>
+              <a:tr h="370840">
+                <a:tc>
+                  <a:txBody>
+                    <a:bodyPr/>
+                    <a:lstStyle/>
+                    <a:p>
+                      <a:r>
+                        <a:rPr lang="en-US" dirty="0"/>
+                        <a:t>Input</a:t>
+                      </a:r>
+                    </a:p>
+                  </a:txBody>
+                  <a:tcPr/>
+                </a:tc>
+                <a:tc>
+                  <a:txBody>
+                    <a:bodyPr/>
+                    <a:lstStyle/>
+                    <a:p>
+                      <a:r>
+                        <a:rPr lang="en-US" dirty="0"/>
+                        <a:t>Condition</a:t>
+                      </a:r>
+                    </a:p>
+                  </a:txBody>
+                  <a:tcPr/>
+                </a:tc>
+                <a:tc>
+                  <a:txBody>
+                    <a:bodyPr/>
+                    <a:lstStyle/>
+                    <a:p>
+                      <a:r>
+                        <a:rPr lang="en-US" dirty="0"/>
+                        <a:t>Output (Abnormal)</a:t>
+                      </a:r>
+                    </a:p>
+                  </a:txBody>
+                  <a:tcPr/>
+                </a:tc>
+                <a:tc>
+                  <a:txBody>
+                    <a:bodyPr/>
+                    <a:lstStyle/>
+                    <a:p>
+                      <a:r>
+                        <a:rPr lang="en-US" dirty="0"/>
+                        <a:t>Reason</a:t>
+                      </a:r>
+                    </a:p>
+                  </a:txBody>
+                  <a:tcPr/>
+                </a:tc>
+                <a:extLst>
+                  <a:ext uri="{0D108BD9-81ED-4DB2-BD59-A6C34878D82A}">
+                    <a16:rowId xmlns:a16="http://schemas.microsoft.com/office/drawing/2014/main" val="2483600653"/>
+                  </a:ext>
+                </a:extLst>
+              </a:tr>
+              <a:tr h="370840">
+                <a:tc>
+                  <a:txBody>
+                    <a:bodyPr/>
+                    <a:lstStyle/>
+                    <a:p>
+                      <a:r>
+                        <a:rPr lang="en-US" dirty="0"/>
+                        <a:t>55</a:t>
+                      </a:r>
+                    </a:p>
+                  </a:txBody>
+                  <a:tcPr/>
+                </a:tc>
+                <a:tc>
+                  <a:txBody>
+                    <a:bodyPr/>
+                    <a:lstStyle/>
+                    <a:p>
+                      <a:r>
+                        <a:rPr lang="en-US" dirty="0"/>
+                        <a:t>&lt;60</a:t>
+                      </a:r>
+                    </a:p>
+                  </a:txBody>
+                  <a:tcPr/>
+                </a:tc>
+                <a:tc>
+                  <a:txBody>
+                    <a:bodyPr/>
+                    <a:lstStyle/>
+                    <a:p>
+                      <a:r>
+                        <a:rPr lang="en-US" dirty="0"/>
+                        <a:t>1</a:t>
+                      </a:r>
+                    </a:p>
+                  </a:txBody>
+                  <a:tcPr/>
+                </a:tc>
+                <a:tc>
+                  <a:txBody>
+                    <a:bodyPr/>
+                    <a:lstStyle/>
+                    <a:p>
+                      <a:r>
+                        <a:rPr lang="en-US" dirty="0"/>
+                        <a:t>Abnormal (Low)</a:t>
+                      </a:r>
+                    </a:p>
+                  </a:txBody>
+                  <a:tcPr/>
+                </a:tc>
+                <a:extLst>
+                  <a:ext uri="{0D108BD9-81ED-4DB2-BD59-A6C34878D82A}">
+                    <a16:rowId xmlns:a16="http://schemas.microsoft.com/office/drawing/2014/main" val="1399205639"/>
+                  </a:ext>
+                </a:extLst>
+              </a:tr>
+              <a:tr h="370840">
+                <a:tc>
+                  <a:txBody>
+                    <a:bodyPr/>
+                    <a:lstStyle/>
+                    <a:p>
+                      <a:r>
+                        <a:rPr lang="en-US" dirty="0"/>
+                        <a:t>75</a:t>
+                      </a:r>
+                    </a:p>
+                  </a:txBody>
+                  <a:tcPr/>
+                </a:tc>
+                <a:tc>
+                  <a:txBody>
+                    <a:bodyPr/>
+                    <a:lstStyle/>
+                    <a:p>
+                      <a:r>
+                        <a:rPr lang="en-US" dirty="0"/>
+                        <a:t>60 – 100</a:t>
+                      </a:r>
+                    </a:p>
+                  </a:txBody>
+                  <a:tcPr/>
+                </a:tc>
+                <a:tc>
+                  <a:txBody>
+                    <a:bodyPr/>
+                    <a:lstStyle/>
+                    <a:p>
+                      <a:r>
+                        <a:rPr lang="en-US" dirty="0"/>
+                        <a:t>0</a:t>
+                      </a:r>
+                    </a:p>
+                  </a:txBody>
+                  <a:tcPr/>
+                </a:tc>
+                <a:tc>
+                  <a:txBody>
+                    <a:bodyPr/>
+                    <a:lstStyle/>
+                    <a:p>
+                      <a:r>
+                        <a:rPr lang="en-US" dirty="0"/>
+                        <a:t>Normal</a:t>
+                      </a:r>
+                    </a:p>
+                  </a:txBody>
+                  <a:tcPr/>
+                </a:tc>
+                <a:extLst>
+                  <a:ext uri="{0D108BD9-81ED-4DB2-BD59-A6C34878D82A}">
+                    <a16:rowId xmlns:a16="http://schemas.microsoft.com/office/drawing/2014/main" val="1257164887"/>
+                  </a:ext>
+                </a:extLst>
+              </a:tr>
+              <a:tr h="370840">
+                <a:tc>
+                  <a:txBody>
+                    <a:bodyPr/>
+                    <a:lstStyle/>
+                    <a:p>
+                      <a:r>
+                        <a:rPr lang="en-US" dirty="0"/>
+                        <a:t>105</a:t>
+                      </a:r>
+                    </a:p>
+                  </a:txBody>
+                  <a:tcPr/>
+                </a:tc>
+                <a:tc>
+                  <a:txBody>
+                    <a:bodyPr/>
+                    <a:lstStyle/>
+                    <a:p>
+                      <a:r>
+                        <a:rPr lang="en-US" dirty="0"/>
+                        <a:t>&gt;100</a:t>
+                      </a:r>
+                    </a:p>
+                  </a:txBody>
+                  <a:tcPr/>
+                </a:tc>
+                <a:tc>
+                  <a:txBody>
+                    <a:bodyPr/>
+                    <a:lstStyle/>
+                    <a:p>
+                      <a:r>
+                        <a:rPr lang="en-US" dirty="0"/>
+                        <a:t>1</a:t>
+                      </a:r>
+                    </a:p>
+                  </a:txBody>
+                  <a:tcPr/>
+                </a:tc>
+                <a:tc>
+                  <a:txBody>
+                    <a:bodyPr/>
+                    <a:lstStyle/>
+                    <a:p>
+                      <a:r>
+                        <a:rPr lang="en-US" dirty="0"/>
+                        <a:t>Abnormal (High)</a:t>
+                      </a:r>
+                    </a:p>
+                  </a:txBody>
+                  <a:tcPr/>
+                </a:tc>
+                <a:extLst>
+                  <a:ext uri="{0D108BD9-81ED-4DB2-BD59-A6C34878D82A}">
+                    <a16:rowId xmlns:a16="http://schemas.microsoft.com/office/drawing/2014/main" val="3590849109"/>
+                  </a:ext>
+                </a:extLst>
+              </a:tr>
+            </a:tbl>
+          </a:graphicData>
+        </a:graphic>
+      </p:graphicFrame>
+    </p:spTree>
+    <p:extLst>
+      <p:ext uri="{BB962C8B-B14F-4D97-AF65-F5344CB8AC3E}">
+        <p14:creationId xmlns:p14="http://schemas.microsoft.com/office/powerpoint/2010/main" val="1880350300"/>
+      </p:ext>
+    </p:extLst>
+  </p:cSld>
+  <p:clrMapOvr>
+    <a:masterClrMapping/>
+  </p:clrMapOvr>
+  <mc:AlternateContent xmlns:mc="http://schemas.openxmlformats.org/markup-compatibility/2006">
+    <mc:Choice xmlns:p14="http://schemas.microsoft.com/office/powerpoint/2010/main" Requires="p14">
+      <p:transition spd="med">
+        <p14:reveal/>
+      </p:transition>
+    </mc:Choice>
+    <mc:Fallback>
+      <p:transition spd="med">
+        <p:fade/>
+      </p:transition>
+    </mc:Fallback>
+  </mc:AlternateContent>
+</p:sld>
+</file>
+
+<file path=ppt/slides/slide13.xml><?xml version="1.0" encoding="utf-8"?>
+<p:sld xmlns:a="http://schemas.openxmlformats.org/drawingml/2006/main" xmlns:r="http://schemas.openxmlformats.org/officeDocument/2006/relationships" xmlns:p="http://schemas.openxmlformats.org/presentationml/2006/main">
+  <p:cSld>
+    <p:spTree>
+      <p:nvGrpSpPr>
+        <p:cNvPr id="1" name="">
+          <a:extLst>
+            <a:ext uri="{FF2B5EF4-FFF2-40B4-BE49-F238E27FC236}">
+              <a16:creationId xmlns:a16="http://schemas.microsoft.com/office/drawing/2014/main" id="{AA4762A6-1994-54B7-B330-BA3E976930F9}"/>
+            </a:ext>
+          </a:extLst>
+        </p:cNvPr>
+        <p:cNvGrpSpPr/>
+        <p:nvPr/>
+      </p:nvGrpSpPr>
+      <p:grpSpPr>
+        <a:xfrm>
+          <a:off x="0" y="0"/>
+          <a:ext cx="0" cy="0"/>
+          <a:chOff x="0" y="0"/>
+          <a:chExt cx="0" cy="0"/>
+        </a:xfrm>
+      </p:grpSpPr>
+      <p:sp>
+        <p:nvSpPr>
+          <p:cNvPr id="3" name="Slide Number Placeholder 2">
+            <a:extLst>
+              <a:ext uri="{FF2B5EF4-FFF2-40B4-BE49-F238E27FC236}">
+                <a16:creationId xmlns:a16="http://schemas.microsoft.com/office/drawing/2014/main" id="{27049911-4B44-8E02-E774-D7918CE4DA8E}"/>
+              </a:ext>
+            </a:extLst>
+          </p:cNvPr>
+          <p:cNvSpPr>
+            <a:spLocks noGrp="1"/>
+          </p:cNvSpPr>
+          <p:nvPr>
+            <p:ph type="sldNum" idx="12"/>
+          </p:nvPr>
+        </p:nvSpPr>
+        <p:spPr/>
+        <p:txBody>
+          <a:bodyPr/>
+          <a:lstStyle/>
+          <a:p>
+            <a:pPr marL="0" lvl="0" indent="0" algn="r" rtl="0">
+              <a:spcBef>
+                <a:spcPts val="0"/>
+              </a:spcBef>
+              <a:spcAft>
+                <a:spcPts val="0"/>
+              </a:spcAft>
+              <a:buNone/>
+            </a:pPr>
+            <a:fld id="{00000000-1234-1234-1234-123412341234}" type="slidenum">
+              <a:rPr lang="en-US" smtClean="0"/>
+              <a:t>13</a:t>
+            </a:fld>
+            <a:endParaRPr lang="en-US" dirty="0"/>
+          </a:p>
+        </p:txBody>
+      </p:sp>
+      <p:graphicFrame>
+        <p:nvGraphicFramePr>
+          <p:cNvPr id="4" name="Table 3">
+            <a:extLst>
+              <a:ext uri="{FF2B5EF4-FFF2-40B4-BE49-F238E27FC236}">
+                <a16:creationId xmlns:a16="http://schemas.microsoft.com/office/drawing/2014/main" id="{452CE926-F5BE-C19B-2787-21C95020873E}"/>
+              </a:ext>
+            </a:extLst>
+          </p:cNvPr>
+          <p:cNvGraphicFramePr>
+            <a:graphicFrameLocks noGrp="1"/>
+          </p:cNvGraphicFramePr>
+          <p:nvPr>
+            <p:extLst>
+              <p:ext uri="{D42A27DB-BD31-4B8C-83A1-F6EECF244321}">
+                <p14:modId xmlns:p14="http://schemas.microsoft.com/office/powerpoint/2010/main" val="1641333549"/>
+              </p:ext>
+            </p:extLst>
+          </p:nvPr>
+        </p:nvGraphicFramePr>
+        <p:xfrm>
+          <a:off x="1958848" y="445346"/>
+          <a:ext cx="8128000" cy="1854200"/>
+        </p:xfrm>
+        <a:graphic>
+          <a:graphicData uri="http://schemas.openxmlformats.org/drawingml/2006/table">
+            <a:tbl>
+              <a:tblPr firstRow="1" bandRow="1">
+                <a:tableStyleId>{DE7AD339-51BE-4A38-A1C7-CCF28897F289}</a:tableStyleId>
+              </a:tblPr>
+              <a:tblGrid>
+                <a:gridCol w="2032000">
+                  <a:extLst>
+                    <a:ext uri="{9D8B030D-6E8A-4147-A177-3AD203B41FA5}">
+                      <a16:colId xmlns:a16="http://schemas.microsoft.com/office/drawing/2014/main" val="3825326908"/>
+                    </a:ext>
+                  </a:extLst>
+                </a:gridCol>
+                <a:gridCol w="2263648">
+                  <a:extLst>
+                    <a:ext uri="{9D8B030D-6E8A-4147-A177-3AD203B41FA5}">
+                      <a16:colId xmlns:a16="http://schemas.microsoft.com/office/drawing/2014/main" val="3585198443"/>
+                    </a:ext>
+                  </a:extLst>
+                </a:gridCol>
+                <a:gridCol w="1800352">
+                  <a:extLst>
+                    <a:ext uri="{9D8B030D-6E8A-4147-A177-3AD203B41FA5}">
+                      <a16:colId xmlns:a16="http://schemas.microsoft.com/office/drawing/2014/main" val="2546397692"/>
+                    </a:ext>
+                  </a:extLst>
+                </a:gridCol>
+                <a:gridCol w="2032000">
+                  <a:extLst>
+                    <a:ext uri="{9D8B030D-6E8A-4147-A177-3AD203B41FA5}">
+                      <a16:colId xmlns:a16="http://schemas.microsoft.com/office/drawing/2014/main" val="3662968008"/>
+                    </a:ext>
+                  </a:extLst>
+                </a:gridCol>
+              </a:tblGrid>
+              <a:tr h="370840">
+                <a:tc gridSpan="4">
+                  <a:txBody>
+                    <a:bodyPr/>
+                    <a:lstStyle/>
+                    <a:p>
+                      <a:pPr algn="ctr"/>
+                      <a:r>
+                        <a:rPr lang="en-US" dirty="0"/>
+                        <a:t>Truth Table of Respiratory Rate</a:t>
+                      </a:r>
+                    </a:p>
+                  </a:txBody>
+                  <a:tcPr/>
+                </a:tc>
+                <a:tc hMerge="1">
+                  <a:txBody>
+                    <a:bodyPr/>
+                    <a:lstStyle/>
+                    <a:p>
+                      <a:endParaRPr lang="en-US" dirty="0"/>
+                    </a:p>
+                  </a:txBody>
+                  <a:tcPr/>
+                </a:tc>
+                <a:tc hMerge="1">
+                  <a:txBody>
+                    <a:bodyPr/>
+                    <a:lstStyle/>
+                    <a:p>
+                      <a:endParaRPr lang="en-US" dirty="0"/>
+                    </a:p>
+                  </a:txBody>
+                  <a:tcPr/>
+                </a:tc>
+                <a:tc hMerge="1">
+                  <a:txBody>
+                    <a:bodyPr/>
+                    <a:lstStyle/>
+                    <a:p>
+                      <a:endParaRPr lang="en-US" dirty="0"/>
+                    </a:p>
+                  </a:txBody>
+                  <a:tcPr/>
+                </a:tc>
+                <a:extLst>
+                  <a:ext uri="{0D108BD9-81ED-4DB2-BD59-A6C34878D82A}">
+                    <a16:rowId xmlns:a16="http://schemas.microsoft.com/office/drawing/2014/main" val="315416783"/>
+                  </a:ext>
+                </a:extLst>
+              </a:tr>
+              <a:tr h="370840">
+                <a:tc>
+                  <a:txBody>
+                    <a:bodyPr/>
+                    <a:lstStyle/>
+                    <a:p>
+                      <a:r>
+                        <a:rPr lang="en-US" dirty="0"/>
+                        <a:t>breaths/min</a:t>
+                      </a:r>
+                    </a:p>
+                  </a:txBody>
+                  <a:tcPr/>
+                </a:tc>
+                <a:tc>
+                  <a:txBody>
+                    <a:bodyPr/>
+                    <a:lstStyle/>
+                    <a:p>
+                      <a:r>
+                        <a:rPr lang="en-US" dirty="0"/>
+                        <a:t>Condition</a:t>
+                      </a:r>
+                    </a:p>
+                  </a:txBody>
+                  <a:tcPr/>
+                </a:tc>
+                <a:tc>
+                  <a:txBody>
+                    <a:bodyPr/>
+                    <a:lstStyle/>
+                    <a:p>
+                      <a:r>
+                        <a:rPr lang="en-US" dirty="0"/>
+                        <a:t>Output</a:t>
+                      </a:r>
+                    </a:p>
+                  </a:txBody>
+                  <a:tcPr/>
+                </a:tc>
+                <a:tc>
+                  <a:txBody>
+                    <a:bodyPr/>
+                    <a:lstStyle/>
+                    <a:p>
+                      <a:r>
+                        <a:rPr lang="en-US" dirty="0"/>
+                        <a:t>Meaning</a:t>
+                      </a:r>
+                    </a:p>
+                  </a:txBody>
+                  <a:tcPr/>
+                </a:tc>
+                <a:extLst>
+                  <a:ext uri="{0D108BD9-81ED-4DB2-BD59-A6C34878D82A}">
+                    <a16:rowId xmlns:a16="http://schemas.microsoft.com/office/drawing/2014/main" val="2483600653"/>
+                  </a:ext>
+                </a:extLst>
+              </a:tr>
+              <a:tr h="370840">
+                <a:tc>
+                  <a:txBody>
+                    <a:bodyPr/>
+                    <a:lstStyle/>
+                    <a:p>
+                      <a:r>
+                        <a:rPr lang="en-US" dirty="0"/>
+                        <a:t>10</a:t>
+                      </a:r>
+                    </a:p>
+                  </a:txBody>
+                  <a:tcPr/>
+                </a:tc>
+                <a:tc>
+                  <a:txBody>
+                    <a:bodyPr/>
+                    <a:lstStyle/>
+                    <a:p>
+                      <a:r>
+                        <a:rPr lang="en-US" dirty="0"/>
+                        <a:t>&lt;12</a:t>
+                      </a:r>
+                    </a:p>
+                  </a:txBody>
+                  <a:tcPr/>
+                </a:tc>
+                <a:tc>
+                  <a:txBody>
+                    <a:bodyPr/>
+                    <a:lstStyle/>
+                    <a:p>
+                      <a:r>
+                        <a:rPr lang="en-US" dirty="0"/>
+                        <a:t>1</a:t>
+                      </a:r>
+                    </a:p>
+                  </a:txBody>
+                  <a:tcPr/>
+                </a:tc>
+                <a:tc>
+                  <a:txBody>
+                    <a:bodyPr/>
+                    <a:lstStyle/>
+                    <a:p>
+                      <a:r>
+                        <a:rPr lang="en-US" dirty="0"/>
+                        <a:t>Too low (Abnormal)</a:t>
+                      </a:r>
+                    </a:p>
+                  </a:txBody>
+                  <a:tcPr/>
+                </a:tc>
+                <a:extLst>
+                  <a:ext uri="{0D108BD9-81ED-4DB2-BD59-A6C34878D82A}">
+                    <a16:rowId xmlns:a16="http://schemas.microsoft.com/office/drawing/2014/main" val="1399205639"/>
+                  </a:ext>
+                </a:extLst>
+              </a:tr>
+              <a:tr h="370840">
+                <a:tc>
+                  <a:txBody>
+                    <a:bodyPr/>
+                    <a:lstStyle/>
+                    <a:p>
+                      <a:r>
+                        <a:rPr lang="en-US" dirty="0"/>
+                        <a:t>15</a:t>
+                      </a:r>
+                    </a:p>
+                  </a:txBody>
+                  <a:tcPr/>
+                </a:tc>
+                <a:tc>
+                  <a:txBody>
+                    <a:bodyPr/>
+                    <a:lstStyle/>
+                    <a:p>
+                      <a:r>
+                        <a:rPr lang="en-US" dirty="0"/>
+                        <a:t>12 – 20</a:t>
+                      </a:r>
+                    </a:p>
+                  </a:txBody>
+                  <a:tcPr/>
+                </a:tc>
+                <a:tc>
+                  <a:txBody>
+                    <a:bodyPr/>
+                    <a:lstStyle/>
+                    <a:p>
+                      <a:r>
+                        <a:rPr lang="en-US" dirty="0"/>
+                        <a:t>0</a:t>
+                      </a:r>
+                    </a:p>
+                  </a:txBody>
+                  <a:tcPr/>
+                </a:tc>
+                <a:tc>
+                  <a:txBody>
+                    <a:bodyPr/>
+                    <a:lstStyle/>
+                    <a:p>
+                      <a:r>
+                        <a:rPr lang="en-US" dirty="0"/>
+                        <a:t>Normal</a:t>
+                      </a:r>
+                    </a:p>
+                  </a:txBody>
+                  <a:tcPr/>
+                </a:tc>
+                <a:extLst>
+                  <a:ext uri="{0D108BD9-81ED-4DB2-BD59-A6C34878D82A}">
+                    <a16:rowId xmlns:a16="http://schemas.microsoft.com/office/drawing/2014/main" val="1257164887"/>
+                  </a:ext>
+                </a:extLst>
+              </a:tr>
+              <a:tr h="370840">
+                <a:tc>
+                  <a:txBody>
+                    <a:bodyPr/>
+                    <a:lstStyle/>
+                    <a:p>
+                      <a:r>
+                        <a:rPr lang="en-US" dirty="0"/>
+                        <a:t>25</a:t>
+                      </a:r>
+                    </a:p>
+                  </a:txBody>
+                  <a:tcPr/>
+                </a:tc>
+                <a:tc>
+                  <a:txBody>
+                    <a:bodyPr/>
+                    <a:lstStyle/>
+                    <a:p>
+                      <a:r>
+                        <a:rPr lang="en-US" dirty="0"/>
+                        <a:t>&gt;20</a:t>
+                      </a:r>
+                    </a:p>
+                  </a:txBody>
+                  <a:tcPr/>
+                </a:tc>
+                <a:tc>
+                  <a:txBody>
+                    <a:bodyPr/>
+                    <a:lstStyle/>
+                    <a:p>
+                      <a:r>
+                        <a:rPr lang="en-US" dirty="0"/>
+                        <a:t>1</a:t>
+                      </a:r>
+                    </a:p>
+                  </a:txBody>
+                  <a:tcPr/>
+                </a:tc>
+                <a:tc>
+                  <a:txBody>
+                    <a:bodyPr/>
+                    <a:lstStyle/>
+                    <a:p>
+                      <a:r>
+                        <a:rPr lang="en-US" dirty="0"/>
+                        <a:t>Too fast (Abnormal)</a:t>
+                      </a:r>
+                    </a:p>
+                  </a:txBody>
+                  <a:tcPr/>
+                </a:tc>
+                <a:extLst>
+                  <a:ext uri="{0D108BD9-81ED-4DB2-BD59-A6C34878D82A}">
+                    <a16:rowId xmlns:a16="http://schemas.microsoft.com/office/drawing/2014/main" val="3216092080"/>
+                  </a:ext>
+                </a:extLst>
+              </a:tr>
+            </a:tbl>
+          </a:graphicData>
+        </a:graphic>
+      </p:graphicFrame>
+      <p:graphicFrame>
+        <p:nvGraphicFramePr>
+          <p:cNvPr id="5" name="Table 4">
+            <a:extLst>
+              <a:ext uri="{FF2B5EF4-FFF2-40B4-BE49-F238E27FC236}">
+                <a16:creationId xmlns:a16="http://schemas.microsoft.com/office/drawing/2014/main" id="{49A39ABA-334E-C3FE-3667-9A405CE89021}"/>
+              </a:ext>
+            </a:extLst>
+          </p:cNvPr>
+          <p:cNvGraphicFramePr>
+            <a:graphicFrameLocks noGrp="1"/>
+          </p:cNvGraphicFramePr>
+          <p:nvPr>
+            <p:extLst>
+              <p:ext uri="{D42A27DB-BD31-4B8C-83A1-F6EECF244321}">
+                <p14:modId xmlns:p14="http://schemas.microsoft.com/office/powerpoint/2010/main" val="3686523283"/>
+              </p:ext>
+            </p:extLst>
+          </p:nvPr>
+        </p:nvGraphicFramePr>
+        <p:xfrm>
+          <a:off x="1847088" y="2777407"/>
+          <a:ext cx="8513064" cy="2890520"/>
+        </p:xfrm>
+        <a:graphic>
+          <a:graphicData uri="http://schemas.openxmlformats.org/drawingml/2006/table">
+            <a:tbl>
+              <a:tblPr firstRow="1" bandRow="1">
+                <a:tableStyleId>{DE7AD339-51BE-4A38-A1C7-CCF28897F289}</a:tableStyleId>
+              </a:tblPr>
+              <a:tblGrid>
+                <a:gridCol w="1371600">
+                  <a:extLst>
+                    <a:ext uri="{9D8B030D-6E8A-4147-A177-3AD203B41FA5}">
+                      <a16:colId xmlns:a16="http://schemas.microsoft.com/office/drawing/2014/main" val="3825326908"/>
+                    </a:ext>
+                  </a:extLst>
+                </a:gridCol>
+                <a:gridCol w="1563624">
+                  <a:extLst>
+                    <a:ext uri="{9D8B030D-6E8A-4147-A177-3AD203B41FA5}">
+                      <a16:colId xmlns:a16="http://schemas.microsoft.com/office/drawing/2014/main" val="3585198443"/>
+                    </a:ext>
+                  </a:extLst>
+                </a:gridCol>
+                <a:gridCol w="2487168">
+                  <a:extLst>
+                    <a:ext uri="{9D8B030D-6E8A-4147-A177-3AD203B41FA5}">
+                      <a16:colId xmlns:a16="http://schemas.microsoft.com/office/drawing/2014/main" val="2546397692"/>
+                    </a:ext>
+                  </a:extLst>
+                </a:gridCol>
+                <a:gridCol w="1191768">
+                  <a:extLst>
+                    <a:ext uri="{9D8B030D-6E8A-4147-A177-3AD203B41FA5}">
+                      <a16:colId xmlns:a16="http://schemas.microsoft.com/office/drawing/2014/main" val="3919250098"/>
+                    </a:ext>
+                  </a:extLst>
+                </a:gridCol>
+                <a:gridCol w="1898904">
+                  <a:extLst>
+                    <a:ext uri="{9D8B030D-6E8A-4147-A177-3AD203B41FA5}">
+                      <a16:colId xmlns:a16="http://schemas.microsoft.com/office/drawing/2014/main" val="3662968008"/>
+                    </a:ext>
+                  </a:extLst>
+                </a:gridCol>
+              </a:tblGrid>
+              <a:tr h="370840">
+                <a:tc gridSpan="5">
+                  <a:txBody>
+                    <a:bodyPr/>
+                    <a:lstStyle/>
+                    <a:p>
+                      <a:pPr algn="ctr"/>
+                      <a:r>
+                        <a:rPr lang="en-US" dirty="0"/>
+                        <a:t>Truth Table of BP</a:t>
+                      </a:r>
+                    </a:p>
+                  </a:txBody>
+                  <a:tcPr/>
+                </a:tc>
+                <a:tc hMerge="1">
+                  <a:txBody>
+                    <a:bodyPr/>
+                    <a:lstStyle/>
+                    <a:p>
+                      <a:endParaRPr lang="en-US" dirty="0"/>
+                    </a:p>
+                  </a:txBody>
+                  <a:tcPr/>
+                </a:tc>
+                <a:tc hMerge="1">
+                  <a:txBody>
+                    <a:bodyPr/>
+                    <a:lstStyle/>
+                    <a:p>
+                      <a:endParaRPr lang="en-US" dirty="0"/>
+                    </a:p>
+                  </a:txBody>
+                  <a:tcPr/>
+                </a:tc>
+                <a:tc hMerge="1">
+                  <a:txBody>
+                    <a:bodyPr/>
+                    <a:lstStyle/>
+                    <a:p>
+                      <a:endParaRPr lang="en-US"/>
+                    </a:p>
+                  </a:txBody>
+                  <a:tcPr/>
+                </a:tc>
+                <a:tc hMerge="1">
+                  <a:txBody>
+                    <a:bodyPr/>
+                    <a:lstStyle/>
+                    <a:p>
+                      <a:endParaRPr lang="en-US" dirty="0"/>
+                    </a:p>
+                  </a:txBody>
+                  <a:tcPr/>
+                </a:tc>
+                <a:extLst>
+                  <a:ext uri="{0D108BD9-81ED-4DB2-BD59-A6C34878D82A}">
+                    <a16:rowId xmlns:a16="http://schemas.microsoft.com/office/drawing/2014/main" val="315416783"/>
+                  </a:ext>
+                </a:extLst>
+              </a:tr>
+              <a:tr h="370840">
+                <a:tc>
+                  <a:txBody>
+                    <a:bodyPr/>
+                    <a:lstStyle/>
+                    <a:p>
+                      <a:r>
+                        <a:rPr lang="en-US" dirty="0"/>
+                        <a:t>Sys</a:t>
+                      </a:r>
+                    </a:p>
+                  </a:txBody>
+                  <a:tcPr/>
+                </a:tc>
+                <a:tc>
+                  <a:txBody>
+                    <a:bodyPr/>
+                    <a:lstStyle/>
+                    <a:p>
+                      <a:r>
+                        <a:rPr lang="en-US" dirty="0"/>
+                        <a:t>Dia</a:t>
+                      </a:r>
+                    </a:p>
+                  </a:txBody>
+                  <a:tcPr/>
+                </a:tc>
+                <a:tc>
+                  <a:txBody>
+                    <a:bodyPr/>
+                    <a:lstStyle/>
+                    <a:p>
+                      <a:r>
+                        <a:rPr lang="en-US" dirty="0"/>
+                        <a:t>Output</a:t>
+                      </a:r>
+                    </a:p>
+                  </a:txBody>
+                  <a:tcPr/>
+                </a:tc>
+                <a:tc>
+                  <a:txBody>
+                    <a:bodyPr/>
+                    <a:lstStyle/>
+                    <a:p>
+                      <a:r>
+                        <a:rPr lang="en-US" dirty="0"/>
+                        <a:t>Binary Code</a:t>
+                      </a:r>
+                    </a:p>
+                  </a:txBody>
+                  <a:tcPr/>
+                </a:tc>
+                <a:tc>
+                  <a:txBody>
+                    <a:bodyPr/>
+                    <a:lstStyle/>
+                    <a:p>
+                      <a:r>
+                        <a:rPr lang="en-US" dirty="0"/>
+                        <a:t>Category</a:t>
+                      </a:r>
+                    </a:p>
+                  </a:txBody>
+                  <a:tcPr/>
+                </a:tc>
+                <a:extLst>
+                  <a:ext uri="{0D108BD9-81ED-4DB2-BD59-A6C34878D82A}">
+                    <a16:rowId xmlns:a16="http://schemas.microsoft.com/office/drawing/2014/main" val="2483600653"/>
+                  </a:ext>
+                </a:extLst>
+              </a:tr>
+              <a:tr h="370840">
+                <a:tc>
+                  <a:txBody>
+                    <a:bodyPr/>
+                    <a:lstStyle/>
+                    <a:p>
+                      <a:r>
+                        <a:rPr lang="en-US" dirty="0"/>
+                        <a:t>&lt;120</a:t>
+                      </a:r>
+                    </a:p>
+                  </a:txBody>
+                  <a:tcPr/>
+                </a:tc>
+                <a:tc>
+                  <a:txBody>
+                    <a:bodyPr/>
+                    <a:lstStyle/>
+                    <a:p>
+                      <a:r>
+                        <a:rPr lang="en-US" dirty="0"/>
+                        <a:t>&lt;80</a:t>
+                      </a:r>
+                    </a:p>
+                  </a:txBody>
+                  <a:tcPr/>
+                </a:tc>
+                <a:tc>
+                  <a:txBody>
+                    <a:bodyPr/>
+                    <a:lstStyle/>
+                    <a:p>
+                      <a:r>
+                        <a:rPr lang="en-US" dirty="0"/>
+                        <a:t>Normal</a:t>
+                      </a:r>
+                    </a:p>
+                  </a:txBody>
+                  <a:tcPr/>
+                </a:tc>
+                <a:tc>
+                  <a:txBody>
+                    <a:bodyPr/>
+                    <a:lstStyle/>
+                    <a:p>
+                      <a:r>
+                        <a:rPr lang="en-US" dirty="0"/>
+                        <a:t>000</a:t>
+                      </a:r>
+                    </a:p>
+                  </a:txBody>
+                  <a:tcPr/>
+                </a:tc>
+                <a:tc>
+                  <a:txBody>
+                    <a:bodyPr/>
+                    <a:lstStyle/>
+                    <a:p>
+                      <a:r>
+                        <a:rPr lang="en-US" dirty="0"/>
+                        <a:t>Normal BP</a:t>
+                      </a:r>
+                    </a:p>
+                  </a:txBody>
+                  <a:tcPr/>
+                </a:tc>
+                <a:extLst>
+                  <a:ext uri="{0D108BD9-81ED-4DB2-BD59-A6C34878D82A}">
+                    <a16:rowId xmlns:a16="http://schemas.microsoft.com/office/drawing/2014/main" val="1399205639"/>
+                  </a:ext>
+                </a:extLst>
+              </a:tr>
+              <a:tr h="370840">
+                <a:tc>
+                  <a:txBody>
+                    <a:bodyPr/>
+                    <a:lstStyle/>
+                    <a:p>
+                      <a:r>
+                        <a:rPr lang="en-US" dirty="0"/>
+                        <a:t>120 - 129</a:t>
+                      </a:r>
+                    </a:p>
+                  </a:txBody>
+                  <a:tcPr/>
+                </a:tc>
+                <a:tc>
+                  <a:txBody>
+                    <a:bodyPr/>
+                    <a:lstStyle/>
+                    <a:p>
+                      <a:r>
+                        <a:rPr lang="en-US" dirty="0"/>
+                        <a:t>&lt;80</a:t>
+                      </a:r>
+                    </a:p>
+                  </a:txBody>
+                  <a:tcPr/>
+                </a:tc>
+                <a:tc>
+                  <a:txBody>
+                    <a:bodyPr/>
+                    <a:lstStyle/>
+                    <a:p>
+                      <a:r>
+                        <a:rPr lang="en-US" dirty="0"/>
+                        <a:t>Elevated</a:t>
+                      </a:r>
+                    </a:p>
+                  </a:txBody>
+                  <a:tcPr/>
+                </a:tc>
+                <a:tc>
+                  <a:txBody>
+                    <a:bodyPr/>
+                    <a:lstStyle/>
+                    <a:p>
+                      <a:r>
+                        <a:rPr lang="en-US" dirty="0"/>
+                        <a:t>001</a:t>
+                      </a:r>
+                    </a:p>
+                  </a:txBody>
+                  <a:tcPr/>
+                </a:tc>
+                <a:tc>
+                  <a:txBody>
+                    <a:bodyPr/>
+                    <a:lstStyle/>
+                    <a:p>
+                      <a:r>
+                        <a:rPr lang="en-US" dirty="0"/>
+                        <a:t>Elevated BP</a:t>
+                      </a:r>
+                    </a:p>
+                  </a:txBody>
+                  <a:tcPr/>
+                </a:tc>
+                <a:extLst>
+                  <a:ext uri="{0D108BD9-81ED-4DB2-BD59-A6C34878D82A}">
+                    <a16:rowId xmlns:a16="http://schemas.microsoft.com/office/drawing/2014/main" val="1257164887"/>
+                  </a:ext>
+                </a:extLst>
+              </a:tr>
+              <a:tr h="370840">
+                <a:tc>
+                  <a:txBody>
+                    <a:bodyPr/>
+                    <a:lstStyle/>
+                    <a:p>
+                      <a:r>
+                        <a:rPr lang="en-US" dirty="0"/>
+                        <a:t>130 - 139</a:t>
+                      </a:r>
+                    </a:p>
+                  </a:txBody>
+                  <a:tcPr/>
+                </a:tc>
+                <a:tc>
+                  <a:txBody>
+                    <a:bodyPr/>
+                    <a:lstStyle/>
+                    <a:p>
+                      <a:r>
+                        <a:rPr lang="en-US" dirty="0"/>
+                        <a:t>80 - 89</a:t>
+                      </a:r>
+                    </a:p>
+                  </a:txBody>
+                  <a:tcPr/>
+                </a:tc>
+                <a:tc>
+                  <a:txBody>
+                    <a:bodyPr/>
+                    <a:lstStyle/>
+                    <a:p>
+                      <a:r>
+                        <a:rPr lang="en-US" dirty="0"/>
+                        <a:t>Stage-1 Hypertension (High BP)</a:t>
+                      </a:r>
+                    </a:p>
+                  </a:txBody>
+                  <a:tcPr/>
+                </a:tc>
+                <a:tc>
+                  <a:txBody>
+                    <a:bodyPr/>
+                    <a:lstStyle/>
+                    <a:p>
+                      <a:r>
+                        <a:rPr lang="en-US" dirty="0"/>
+                        <a:t>010</a:t>
+                      </a:r>
+                    </a:p>
+                  </a:txBody>
+                  <a:tcPr/>
+                </a:tc>
+                <a:tc>
+                  <a:txBody>
+                    <a:bodyPr/>
+                    <a:lstStyle/>
+                    <a:p>
+                      <a:r>
+                        <a:rPr lang="en-US" dirty="0"/>
+                        <a:t>Stage 1</a:t>
+                      </a:r>
+                    </a:p>
+                  </a:txBody>
+                  <a:tcPr/>
+                </a:tc>
+                <a:extLst>
+                  <a:ext uri="{0D108BD9-81ED-4DB2-BD59-A6C34878D82A}">
+                    <a16:rowId xmlns:a16="http://schemas.microsoft.com/office/drawing/2014/main" val="3590849109"/>
+                  </a:ext>
+                </a:extLst>
+              </a:tr>
+              <a:tr h="370840">
+                <a:tc>
+                  <a:txBody>
+                    <a:bodyPr/>
+                    <a:lstStyle/>
+                    <a:p>
+                      <a:r>
+                        <a:rPr lang="en-US" dirty="0"/>
+                        <a:t>140 or higher</a:t>
+                      </a:r>
+                    </a:p>
+                  </a:txBody>
+                  <a:tcPr/>
+                </a:tc>
+                <a:tc>
+                  <a:txBody>
+                    <a:bodyPr/>
+                    <a:lstStyle/>
+                    <a:p>
+                      <a:r>
+                        <a:rPr lang="en-US" dirty="0"/>
+                        <a:t>90 or higher</a:t>
+                      </a:r>
+                    </a:p>
+                  </a:txBody>
+                  <a:tcPr/>
+                </a:tc>
+                <a:tc>
+                  <a:txBody>
+                    <a:bodyPr/>
+                    <a:lstStyle/>
+                    <a:p>
+                      <a:r>
+                        <a:rPr lang="en-US" dirty="0"/>
+                        <a:t>Stage-2 Hypertension</a:t>
+                      </a:r>
+                    </a:p>
+                  </a:txBody>
+                  <a:tcPr/>
+                </a:tc>
+                <a:tc>
+                  <a:txBody>
+                    <a:bodyPr/>
+                    <a:lstStyle/>
+                    <a:p>
+                      <a:r>
+                        <a:rPr lang="en-US" dirty="0"/>
+                        <a:t>011</a:t>
+                      </a:r>
+                    </a:p>
+                  </a:txBody>
+                  <a:tcPr/>
+                </a:tc>
+                <a:tc>
+                  <a:txBody>
+                    <a:bodyPr/>
+                    <a:lstStyle/>
+                    <a:p>
+                      <a:r>
+                        <a:rPr lang="en-US" dirty="0"/>
+                        <a:t>Stage 2</a:t>
+                      </a:r>
+                    </a:p>
+                  </a:txBody>
+                  <a:tcPr/>
+                </a:tc>
+                <a:extLst>
+                  <a:ext uri="{0D108BD9-81ED-4DB2-BD59-A6C34878D82A}">
+                    <a16:rowId xmlns:a16="http://schemas.microsoft.com/office/drawing/2014/main" val="4000435468"/>
+                  </a:ext>
+                </a:extLst>
+              </a:tr>
+              <a:tr h="370840">
+                <a:tc>
+                  <a:txBody>
+                    <a:bodyPr/>
+                    <a:lstStyle/>
+                    <a:p>
+                      <a:r>
+                        <a:rPr lang="en-US" dirty="0"/>
+                        <a:t>Higher than 180</a:t>
+                      </a:r>
+                    </a:p>
+                  </a:txBody>
+                  <a:tcPr/>
+                </a:tc>
+                <a:tc>
+                  <a:txBody>
+                    <a:bodyPr/>
+                    <a:lstStyle/>
+                    <a:p>
+                      <a:r>
+                        <a:rPr lang="en-US" dirty="0"/>
+                        <a:t>Higher than 120</a:t>
+                      </a:r>
+                    </a:p>
+                  </a:txBody>
+                  <a:tcPr/>
+                </a:tc>
+                <a:tc>
+                  <a:txBody>
+                    <a:bodyPr/>
+                    <a:lstStyle/>
+                    <a:p>
+                      <a:r>
+                        <a:rPr lang="en-US" dirty="0"/>
+                        <a:t>Severe </a:t>
+                      </a:r>
+                    </a:p>
+                  </a:txBody>
+                  <a:tcPr/>
+                </a:tc>
+                <a:tc>
+                  <a:txBody>
+                    <a:bodyPr/>
+                    <a:lstStyle/>
+                    <a:p>
+                      <a:r>
+                        <a:rPr lang="en-US" dirty="0"/>
+                        <a:t>100</a:t>
+                      </a:r>
+                    </a:p>
+                  </a:txBody>
+                  <a:tcPr/>
+                </a:tc>
+                <a:tc>
+                  <a:txBody>
+                    <a:bodyPr/>
+                    <a:lstStyle/>
+                    <a:p>
+                      <a:r>
+                        <a:rPr lang="en-US" dirty="0"/>
+                        <a:t>Severe/Hypertensive crisis</a:t>
+                      </a:r>
+                    </a:p>
+                  </a:txBody>
+                  <a:tcPr/>
+                </a:tc>
+                <a:extLst>
+                  <a:ext uri="{0D108BD9-81ED-4DB2-BD59-A6C34878D82A}">
+                    <a16:rowId xmlns:a16="http://schemas.microsoft.com/office/drawing/2014/main" val="2134653689"/>
+                  </a:ext>
+                </a:extLst>
+              </a:tr>
+            </a:tbl>
+          </a:graphicData>
+        </a:graphic>
+      </p:graphicFrame>
+    </p:spTree>
+    <p:extLst>
+      <p:ext uri="{BB962C8B-B14F-4D97-AF65-F5344CB8AC3E}">
+        <p14:creationId xmlns:p14="http://schemas.microsoft.com/office/powerpoint/2010/main" val="3210085919"/>
+      </p:ext>
+    </p:extLst>
+  </p:cSld>
+  <p:clrMapOvr>
+    <a:masterClrMapping/>
+  </p:clrMapOvr>
+  <mc:AlternateContent xmlns:mc="http://schemas.openxmlformats.org/markup-compatibility/2006">
+    <mc:Choice xmlns:p14="http://schemas.microsoft.com/office/powerpoint/2010/main" Requires="p14">
+      <p:transition spd="med">
+        <p14:reveal/>
+      </p:transition>
+    </mc:Choice>
+    <mc:Fallback>
+      <p:transition spd="med">
+        <p:fade/>
+      </p:transition>
+    </mc:Fallback>
+  </mc:AlternateContent>
+</p:sld>
+</file>
+
+<file path=ppt/slides/slide14.xml><?xml version="1.0" encoding="utf-8"?>
 <p:sld xmlns:a="http://schemas.openxmlformats.org/drawingml/2006/main" xmlns:r="http://schemas.openxmlformats.org/officeDocument/2006/relationships" xmlns:p="http://schemas.openxmlformats.org/presentationml/2006/main">
   <p:cSld>
     <p:spTree>
@@ -8935,7 +10938,7 @@
             </a:pPr>
             <a:fld id="{00000000-1234-1234-1234-123412341234}" type="slidenum">
               <a:rPr lang="en-US" smtClean="0"/>
-              <a:t>12</a:t>
+              <a:t>14</a:t>
             </a:fld>
             <a:endParaRPr lang="en-US" dirty="0"/>
           </a:p>
@@ -9305,18 +11308,302 @@
   <p:clrMapOvr>
     <a:masterClrMapping/>
   </p:clrMapOvr>
-  <mc:AlternateContent xmlns:mc="http://schemas.openxmlformats.org/markup-compatibility/2006" xmlns:p14="http://schemas.microsoft.com/office/powerpoint/2010/main">
-    <mc:Choice Requires="p14">
-      <p:transition spd="slow" p14:dur="2000" advTm="581"/>
+  <mc:AlternateContent xmlns:mc="http://schemas.openxmlformats.org/markup-compatibility/2006">
+    <mc:Choice xmlns:p14="http://schemas.microsoft.com/office/powerpoint/2010/main" Requires="p14">
+      <p:transition spd="med" advTm="581">
+        <p14:reveal/>
+      </p:transition>
     </mc:Choice>
-    <mc:Fallback xmlns="">
-      <p:transition spd="slow" advTm="581"/>
+    <mc:Fallback>
+      <p:transition spd="med" advTm="581">
+        <p:fade/>
+      </p:transition>
     </mc:Fallback>
   </mc:AlternateContent>
 </p:sld>
 </file>
 
-<file path=ppt/slides/slide13.xml><?xml version="1.0" encoding="utf-8"?>
+<file path=ppt/slides/slide15.xml><?xml version="1.0" encoding="utf-8"?>
+<p:sld xmlns:a="http://schemas.openxmlformats.org/drawingml/2006/main" xmlns:r="http://schemas.openxmlformats.org/officeDocument/2006/relationships" xmlns:p="http://schemas.openxmlformats.org/presentationml/2006/main">
+  <p:cSld>
+    <p:spTree>
+      <p:nvGrpSpPr>
+        <p:cNvPr id="1" name=""/>
+        <p:cNvGrpSpPr/>
+        <p:nvPr/>
+      </p:nvGrpSpPr>
+      <p:grpSpPr>
+        <a:xfrm>
+          <a:off x="0" y="0"/>
+          <a:ext cx="0" cy="0"/>
+          <a:chOff x="0" y="0"/>
+          <a:chExt cx="0" cy="0"/>
+        </a:xfrm>
+      </p:grpSpPr>
+      <p:sp>
+        <p:nvSpPr>
+          <p:cNvPr id="3" name="Slide Number Placeholder 2">
+            <a:extLst>
+              <a:ext uri="{FF2B5EF4-FFF2-40B4-BE49-F238E27FC236}">
+                <a16:creationId xmlns:a16="http://schemas.microsoft.com/office/drawing/2014/main" id="{1B677D55-8527-F6C2-C74E-9BAE0C484C46}"/>
+              </a:ext>
+            </a:extLst>
+          </p:cNvPr>
+          <p:cNvSpPr>
+            <a:spLocks noGrp="1"/>
+          </p:cNvSpPr>
+          <p:nvPr>
+            <p:ph type="sldNum" idx="12"/>
+          </p:nvPr>
+        </p:nvSpPr>
+        <p:spPr/>
+        <p:txBody>
+          <a:bodyPr/>
+          <a:lstStyle/>
+          <a:p>
+            <a:pPr marL="0" lvl="0" indent="0" algn="r" rtl="0">
+              <a:spcBef>
+                <a:spcPts val="0"/>
+              </a:spcBef>
+              <a:spcAft>
+                <a:spcPts val="0"/>
+              </a:spcAft>
+              <a:buNone/>
+            </a:pPr>
+            <a:fld id="{00000000-1234-1234-1234-123412341234}" type="slidenum">
+              <a:rPr lang="en-US" smtClean="0"/>
+              <a:t>15</a:t>
+            </a:fld>
+            <a:endParaRPr lang="en-US" dirty="0"/>
+          </a:p>
+        </p:txBody>
+      </p:sp>
+      <p:pic>
+        <p:nvPicPr>
+          <p:cNvPr id="1026" name="Picture 2" descr="MAX30102 Pulse Oximeter Heart Rate Sensor Module">
+            <a:extLst>
+              <a:ext uri="{FF2B5EF4-FFF2-40B4-BE49-F238E27FC236}">
+                <a16:creationId xmlns:a16="http://schemas.microsoft.com/office/drawing/2014/main" id="{053B1C2B-45E9-210E-E804-F6A94D394204}"/>
+              </a:ext>
+            </a:extLst>
+          </p:cNvPr>
+          <p:cNvPicPr>
+            <a:picLocks noChangeAspect="1" noChangeArrowheads="1"/>
+          </p:cNvPicPr>
+          <p:nvPr/>
+        </p:nvPicPr>
+        <p:blipFill>
+          <a:blip r:embed="rId2">
+            <a:clrChange>
+              <a:clrFrom>
+                <a:srgbClr val="FFFFFF"/>
+              </a:clrFrom>
+              <a:clrTo>
+                <a:srgbClr val="FFFFFF">
+                  <a:alpha val="0"/>
+                </a:srgbClr>
+              </a:clrTo>
+            </a:clrChange>
+            <a:extLst>
+              <a:ext uri="{28A0092B-C50C-407E-A947-70E740481C1C}">
+                <a14:useLocalDpi xmlns:a14="http://schemas.microsoft.com/office/drawing/2010/main" val="0"/>
+              </a:ext>
+            </a:extLst>
+          </a:blip>
+          <a:srcRect/>
+          <a:stretch>
+            <a:fillRect/>
+          </a:stretch>
+        </p:blipFill>
+        <p:spPr bwMode="auto">
+          <a:xfrm>
+            <a:off x="769687" y="449468"/>
+            <a:ext cx="3803374" cy="3803374"/>
+          </a:xfrm>
+          <a:prstGeom prst="rect">
+            <a:avLst/>
+          </a:prstGeom>
+          <a:noFill/>
+          <a:extLst>
+            <a:ext uri="{909E8E84-426E-40DD-AFC4-6F175D3DCCD1}">
+              <a14:hiddenFill xmlns:a14="http://schemas.microsoft.com/office/drawing/2010/main">
+                <a:solidFill>
+                  <a:srgbClr val="FFFFFF"/>
+                </a:solidFill>
+              </a14:hiddenFill>
+            </a:ext>
+          </a:extLst>
+        </p:spPr>
+      </p:pic>
+      <p:pic>
+        <p:nvPicPr>
+          <p:cNvPr id="1028" name="Picture 4" descr="410-292 DIGILENT, Development Board, FPGA, Nexys A7 | element14 India">
+            <a:extLst>
+              <a:ext uri="{FF2B5EF4-FFF2-40B4-BE49-F238E27FC236}">
+                <a16:creationId xmlns:a16="http://schemas.microsoft.com/office/drawing/2014/main" id="{3A532F2E-5C31-B80B-705E-C0CF60312C2C}"/>
+              </a:ext>
+            </a:extLst>
+          </p:cNvPr>
+          <p:cNvPicPr>
+            <a:picLocks noChangeAspect="1" noChangeArrowheads="1"/>
+          </p:cNvPicPr>
+          <p:nvPr/>
+        </p:nvPicPr>
+        <p:blipFill>
+          <a:blip r:embed="rId3">
+            <a:clrChange>
+              <a:clrFrom>
+                <a:srgbClr val="FFFFFF"/>
+              </a:clrFrom>
+              <a:clrTo>
+                <a:srgbClr val="FFFFFF">
+                  <a:alpha val="0"/>
+                </a:srgbClr>
+              </a:clrTo>
+            </a:clrChange>
+            <a:extLst>
+              <a:ext uri="{28A0092B-C50C-407E-A947-70E740481C1C}">
+                <a14:useLocalDpi xmlns:a14="http://schemas.microsoft.com/office/drawing/2010/main" val="0"/>
+              </a:ext>
+            </a:extLst>
+          </a:blip>
+          <a:srcRect/>
+          <a:stretch>
+            <a:fillRect/>
+          </a:stretch>
+        </p:blipFill>
+        <p:spPr bwMode="auto">
+          <a:xfrm>
+            <a:off x="6096000" y="476338"/>
+            <a:ext cx="3615118" cy="3331906"/>
+          </a:xfrm>
+          <a:prstGeom prst="rect">
+            <a:avLst/>
+          </a:prstGeom>
+          <a:noFill/>
+          <a:extLst>
+            <a:ext uri="{909E8E84-426E-40DD-AFC4-6F175D3DCCD1}">
+              <a14:hiddenFill xmlns:a14="http://schemas.microsoft.com/office/drawing/2010/main">
+                <a:solidFill>
+                  <a:srgbClr val="FFFFFF"/>
+                </a:solidFill>
+              </a14:hiddenFill>
+            </a:ext>
+          </a:extLst>
+        </p:spPr>
+      </p:pic>
+      <p:sp>
+        <p:nvSpPr>
+          <p:cNvPr id="5" name="TextBox 4">
+            <a:extLst>
+              <a:ext uri="{FF2B5EF4-FFF2-40B4-BE49-F238E27FC236}">
+                <a16:creationId xmlns:a16="http://schemas.microsoft.com/office/drawing/2014/main" id="{25A77319-241F-DC10-C63A-838636A13BB2}"/>
+              </a:ext>
+            </a:extLst>
+          </p:cNvPr>
+          <p:cNvSpPr txBox="1"/>
+          <p:nvPr/>
+        </p:nvSpPr>
+        <p:spPr>
+          <a:xfrm>
+            <a:off x="1281486" y="4098954"/>
+            <a:ext cx="2779776" cy="307777"/>
+          </a:xfrm>
+          <a:prstGeom prst="rect">
+            <a:avLst/>
+          </a:prstGeom>
+          <a:noFill/>
+        </p:spPr>
+        <p:txBody>
+          <a:bodyPr wrap="square" rtlCol="0">
+            <a:spAutoFit/>
+          </a:bodyPr>
+          <a:lstStyle/>
+          <a:p>
+            <a:r>
+              <a:rPr lang="en-US" dirty="0"/>
+              <a:t>MAX30102 – Heart rate Sensor</a:t>
+            </a:r>
+          </a:p>
+        </p:txBody>
+      </p:sp>
+      <p:sp>
+        <p:nvSpPr>
+          <p:cNvPr id="6" name="TextBox 5">
+            <a:extLst>
+              <a:ext uri="{FF2B5EF4-FFF2-40B4-BE49-F238E27FC236}">
+                <a16:creationId xmlns:a16="http://schemas.microsoft.com/office/drawing/2014/main" id="{9338024C-1440-0345-7361-859DE1232E63}"/>
+              </a:ext>
+            </a:extLst>
+          </p:cNvPr>
+          <p:cNvSpPr txBox="1"/>
+          <p:nvPr/>
+        </p:nvSpPr>
+        <p:spPr>
+          <a:xfrm>
+            <a:off x="6364414" y="4098954"/>
+            <a:ext cx="3346704" cy="307777"/>
+          </a:xfrm>
+          <a:prstGeom prst="rect">
+            <a:avLst/>
+          </a:prstGeom>
+          <a:noFill/>
+        </p:spPr>
+        <p:txBody>
+          <a:bodyPr wrap="square" rtlCol="0">
+            <a:spAutoFit/>
+          </a:bodyPr>
+          <a:lstStyle/>
+          <a:p>
+            <a:r>
+              <a:rPr lang="en-US" dirty="0"/>
+              <a:t>FPGA Board – Xilinx </a:t>
+            </a:r>
+            <a:r>
+              <a:rPr lang="en-US" dirty="0" err="1"/>
+              <a:t>Artix</a:t>
+            </a:r>
+            <a:r>
+              <a:rPr lang="en-US" dirty="0"/>
+              <a:t> 7 </a:t>
+            </a:r>
+            <a:r>
+              <a:rPr lang="en-US" dirty="0" err="1"/>
+              <a:t>Nexys</a:t>
+            </a:r>
+            <a:r>
+              <a:rPr lang="en-US" dirty="0"/>
+              <a:t> 4</a:t>
+            </a:r>
+          </a:p>
+        </p:txBody>
+      </p:sp>
+    </p:spTree>
+    <p:extLst>
+      <p:ext uri="{BB962C8B-B14F-4D97-AF65-F5344CB8AC3E}">
+        <p14:creationId xmlns:p14="http://schemas.microsoft.com/office/powerpoint/2010/main" val="4094034345"/>
+      </p:ext>
+    </p:extLst>
+  </p:cSld>
+  <p:clrMapOvr>
+    <a:masterClrMapping/>
+  </p:clrMapOvr>
+  <mc:AlternateContent xmlns:mc="http://schemas.openxmlformats.org/markup-compatibility/2006">
+    <mc:Choice xmlns:p14="http://schemas.microsoft.com/office/powerpoint/2010/main" Requires="p14">
+      <p:transition spd="med">
+        <p14:reveal/>
+      </p:transition>
+    </mc:Choice>
+    <mc:Fallback>
+      <p:transition spd="med">
+        <p:fade/>
+      </p:transition>
+    </mc:Fallback>
+  </mc:AlternateContent>
+</p:sld>
+</file>
+
+<file path=ppt/slides/slide16.xml><?xml version="1.0" encoding="utf-8"?>
 <p:sld xmlns:a="http://schemas.openxmlformats.org/drawingml/2006/main" xmlns:r="http://schemas.openxmlformats.org/officeDocument/2006/relationships" xmlns:p="http://schemas.openxmlformats.org/presentationml/2006/main">
   <p:cSld>
     <p:spTree>
@@ -9482,12 +11769,16 @@
   <p:clrMapOvr>
     <a:masterClrMapping/>
   </p:clrMapOvr>
-  <mc:AlternateContent xmlns:mc="http://schemas.openxmlformats.org/markup-compatibility/2006" xmlns:p14="http://schemas.microsoft.com/office/powerpoint/2010/main">
-    <mc:Choice Requires="p14">
-      <p:transition spd="slow" p14:dur="2000" advTm="569"/>
+  <mc:AlternateContent xmlns:mc="http://schemas.openxmlformats.org/markup-compatibility/2006">
+    <mc:Choice xmlns:p14="http://schemas.microsoft.com/office/powerpoint/2010/main" Requires="p14">
+      <p:transition spd="med" advTm="569">
+        <p14:reveal/>
+      </p:transition>
     </mc:Choice>
-    <mc:Fallback xmlns="">
-      <p:transition spd="slow" advTm="569"/>
+    <mc:Fallback>
+      <p:transition spd="med" advTm="569">
+        <p:fade/>
+      </p:transition>
     </mc:Fallback>
   </mc:AlternateContent>
 </p:sld>
@@ -9973,12 +12264,16 @@
   <p:clrMapOvr>
     <a:masterClrMapping/>
   </p:clrMapOvr>
-  <mc:AlternateContent xmlns:mc="http://schemas.openxmlformats.org/markup-compatibility/2006" xmlns:p14="http://schemas.microsoft.com/office/powerpoint/2010/main">
-    <mc:Choice Requires="p14">
-      <p:transition spd="slow" p14:dur="2000" advTm="4235"/>
+  <mc:AlternateContent xmlns:mc="http://schemas.openxmlformats.org/markup-compatibility/2006">
+    <mc:Choice xmlns:p14="http://schemas.microsoft.com/office/powerpoint/2010/main" Requires="p14">
+      <p:transition spd="med" advTm="4235">
+        <p14:reveal/>
+      </p:transition>
     </mc:Choice>
-    <mc:Fallback xmlns="">
-      <p:transition spd="slow" advTm="4235"/>
+    <mc:Fallback>
+      <p:transition spd="med" advTm="4235">
+        <p:fade/>
+      </p:transition>
     </mc:Fallback>
   </mc:AlternateContent>
 </p:sld>
@@ -10194,12 +12489,16 @@
   <p:clrMapOvr>
     <a:masterClrMapping/>
   </p:clrMapOvr>
-  <mc:AlternateContent xmlns:mc="http://schemas.openxmlformats.org/markup-compatibility/2006" xmlns:p14="http://schemas.microsoft.com/office/powerpoint/2010/main">
-    <mc:Choice Requires="p14">
-      <p:transition spd="slow" p14:dur="2000" advTm="1305"/>
+  <mc:AlternateContent xmlns:mc="http://schemas.openxmlformats.org/markup-compatibility/2006">
+    <mc:Choice xmlns:p14="http://schemas.microsoft.com/office/powerpoint/2010/main" Requires="p14">
+      <p:transition spd="med" advTm="1305">
+        <p14:reveal/>
+      </p:transition>
     </mc:Choice>
-    <mc:Fallback xmlns="">
-      <p:transition spd="slow" advTm="1305"/>
+    <mc:Fallback>
+      <p:transition spd="med" advTm="1305">
+        <p:fade/>
+      </p:transition>
     </mc:Fallback>
   </mc:AlternateContent>
 </p:sld>
@@ -10989,12 +13288,16 @@
   <p:clrMapOvr>
     <a:masterClrMapping/>
   </p:clrMapOvr>
-  <mc:AlternateContent xmlns:mc="http://schemas.openxmlformats.org/markup-compatibility/2006" xmlns:p14="http://schemas.microsoft.com/office/powerpoint/2010/main">
-    <mc:Choice Requires="p14">
-      <p:transition spd="slow" p14:dur="2000" advTm="604"/>
+  <mc:AlternateContent xmlns:mc="http://schemas.openxmlformats.org/markup-compatibility/2006">
+    <mc:Choice xmlns:p14="http://schemas.microsoft.com/office/powerpoint/2010/main" Requires="p14">
+      <p:transition spd="med" advTm="604">
+        <p14:reveal/>
+      </p:transition>
     </mc:Choice>
-    <mc:Fallback xmlns="">
-      <p:transition spd="slow" advTm="604"/>
+    <mc:Fallback>
+      <p:transition spd="med" advTm="604">
+        <p:fade/>
+      </p:transition>
     </mc:Fallback>
   </mc:AlternateContent>
 </p:sld>
@@ -11236,31 +13539,19 @@
             </a:r>
             <a:r>
               <a:rPr lang="en-US" dirty="0">
-                <a:latin typeface="Verdana" panose="020B0604030504040204" pitchFamily="34" charset="0"/>
+                <a:latin typeface="+mj-lt"/>
                 <a:ea typeface="Verdana" panose="020B0604030504040204" pitchFamily="34" charset="0"/>
               </a:rPr>
-              <a:t>This paper is mainly used to track heart conditions, respiratory system and body conditions by monitoring age, heart rate, breathe rate and body temperature. All the data that is tracked by various sensors are integrated into the system to process of health data. Health report and Health status as outputs where health report contains Body temperature </a:t>
-            </a:r>
-            <a:r>
-              <a:rPr lang="en-US" dirty="0" err="1">
-                <a:latin typeface="Verdana" panose="020B0604030504040204" pitchFamily="34" charset="0"/>
-                <a:ea typeface="Verdana" panose="020B0604030504040204" pitchFamily="34" charset="0"/>
-              </a:rPr>
-              <a:t>conditions,Heart</a:t>
+              <a:t>This paper is mainly used to track heart conditions, respiratory system and body conditions by monitoring age, heart rate, breathe rate and body temperature. All the data that is tracked by various sensors. Health report and Health status as outputs where health report contains Body temperature conditions, Heart conditions and Respiratory conditions.</a:t>
             </a:r>
             <a:r>
               <a:rPr lang="en-US" dirty="0">
-                <a:latin typeface="Verdana" panose="020B0604030504040204" pitchFamily="34" charset="0"/>
-                <a:ea typeface="Verdana" panose="020B0604030504040204" pitchFamily="34" charset="0"/>
-              </a:rPr>
-              <a:t> conditions and Respiratory conditions.</a:t>
-            </a:r>
-            <a:r>
-              <a:rPr lang="en-US" dirty="0"/>
+                <a:latin typeface="+mj-lt"/>
+              </a:rPr>
               <a:t> The paper presents a low-cost FPGA-based system that continuously measures three vital signs—temperature, heart rate, and respiratory rate—using simple non-invasive sensors with good accuracy, making it suitable for affordable patient monitoring.</a:t>
             </a:r>
             <a:endParaRPr lang="en-US" dirty="0">
-              <a:latin typeface="Verdana" panose="020B0604030504040204" pitchFamily="34" charset="0"/>
+              <a:latin typeface="+mj-lt"/>
               <a:ea typeface="Verdana" panose="020B0604030504040204" pitchFamily="34" charset="0"/>
             </a:endParaRPr>
           </a:p>
@@ -11536,12 +13827,16 @@
   <p:clrMapOvr>
     <a:masterClrMapping/>
   </p:clrMapOvr>
-  <mc:AlternateContent xmlns:mc="http://schemas.openxmlformats.org/markup-compatibility/2006" xmlns:p14="http://schemas.microsoft.com/office/powerpoint/2010/main">
-    <mc:Choice Requires="p14">
-      <p:transition spd="slow" p14:dur="2000" advTm="673"/>
+  <mc:AlternateContent xmlns:mc="http://schemas.openxmlformats.org/markup-compatibility/2006">
+    <mc:Choice xmlns:p14="http://schemas.microsoft.com/office/powerpoint/2010/main" Requires="p14">
+      <p:transition spd="med" advTm="673">
+        <p14:reveal/>
+      </p:transition>
     </mc:Choice>
-    <mc:Fallback xmlns="">
-      <p:transition spd="slow" advTm="673"/>
+    <mc:Fallback>
+      <p:transition spd="med" advTm="673">
+        <p:fade/>
+      </p:transition>
     </mc:Fallback>
   </mc:AlternateContent>
 </p:sld>
@@ -11842,12 +14137,16 @@
   <p:clrMapOvr>
     <a:masterClrMapping/>
   </p:clrMapOvr>
-  <mc:AlternateContent xmlns:mc="http://schemas.openxmlformats.org/markup-compatibility/2006" xmlns:p14="http://schemas.microsoft.com/office/powerpoint/2010/main">
-    <mc:Choice Requires="p14">
-      <p:transition spd="slow" p14:dur="2000" advTm="6502"/>
+  <mc:AlternateContent xmlns:mc="http://schemas.openxmlformats.org/markup-compatibility/2006">
+    <mc:Choice xmlns:p14="http://schemas.microsoft.com/office/powerpoint/2010/main" Requires="p14">
+      <p:transition spd="med" advTm="6502">
+        <p14:reveal/>
+      </p:transition>
     </mc:Choice>
-    <mc:Fallback xmlns="">
-      <p:transition spd="slow" advTm="6502"/>
+    <mc:Fallback>
+      <p:transition spd="med" advTm="6502">
+        <p:fade/>
+      </p:transition>
     </mc:Fallback>
   </mc:AlternateContent>
 </p:sld>
@@ -12179,12 +14478,16 @@
   <p:clrMapOvr>
     <a:masterClrMapping/>
   </p:clrMapOvr>
-  <mc:AlternateContent xmlns:mc="http://schemas.openxmlformats.org/markup-compatibility/2006" xmlns:p14="http://schemas.microsoft.com/office/powerpoint/2010/main">
-    <mc:Choice Requires="p14">
-      <p:transition spd="slow" p14:dur="2000" advTm="868"/>
+  <mc:AlternateContent xmlns:mc="http://schemas.openxmlformats.org/markup-compatibility/2006">
+    <mc:Choice xmlns:p14="http://schemas.microsoft.com/office/powerpoint/2010/main" Requires="p14">
+      <p:transition spd="med" advTm="868">
+        <p14:reveal/>
+      </p:transition>
     </mc:Choice>
-    <mc:Fallback xmlns="">
-      <p:transition spd="slow" advTm="868"/>
+    <mc:Fallback>
+      <p:transition spd="med" advTm="868">
+        <p:fade/>
+      </p:transition>
     </mc:Fallback>
   </mc:AlternateContent>
 </p:sld>
@@ -12807,12 +15110,16 @@
   <p:clrMapOvr>
     <a:masterClrMapping/>
   </p:clrMapOvr>
-  <mc:AlternateContent xmlns:mc="http://schemas.openxmlformats.org/markup-compatibility/2006" xmlns:p14="http://schemas.microsoft.com/office/powerpoint/2010/main">
-    <mc:Choice Requires="p14">
-      <p:transition spd="slow" p14:dur="2000" advTm="523"/>
+  <mc:AlternateContent xmlns:mc="http://schemas.openxmlformats.org/markup-compatibility/2006">
+    <mc:Choice xmlns:p14="http://schemas.microsoft.com/office/powerpoint/2010/main" Requires="p14">
+      <p:transition spd="med" advTm="523">
+        <p14:reveal/>
+      </p:transition>
     </mc:Choice>
-    <mc:Fallback xmlns="">
-      <p:transition spd="slow" advTm="523"/>
+    <mc:Fallback>
+      <p:transition spd="med" advTm="523">
+        <p:fade/>
+      </p:transition>
     </mc:Fallback>
   </mc:AlternateContent>
 </p:sld>
@@ -12957,7 +15264,7 @@
         <p:spPr>
           <a:xfrm>
             <a:off x="869211" y="988827"/>
-            <a:ext cx="10380035" cy="2923877"/>
+            <a:ext cx="10380035" cy="2708434"/>
           </a:xfrm>
           <a:prstGeom prst="rect">
             <a:avLst/>
@@ -12988,15 +15295,8 @@
           <a:p>
             <a:r>
               <a:rPr lang="en-US" dirty="0"/>
-              <a:t>We have implemented the LM35 temperature sensor module and successfully interfaced it with the FPGA through the ADC. The sensor output is being read correctly, and our Verilog code accurately converts the ADC values into temperature readings in degrees Celsius. Initially, we faced issues such as noise spikes and timing mismatches, but these were resolved by adding proper synchronization and refining the sampling logic. At present, we are making small improvements to ensure continuous and noise-free real-time temperature readings. With the temperature module completed, we are now moving ahead to interface the remaining vital sensors, including the heart rate sensor and respiratory rate sensor. The heart rate sensor will be connected using our I²C communication module, and we will extract heart rate values using peak detection techniques, while the respiratory rate sensor will be connected through the ADC, allowing us to process the waveform and calculate breaths per minute. Once these modules are developed, all sensor readings will be integrated in the top-level FPGA design and displayed through UART, OLED, or 7-segment output. Overall, our implementation is progressing well, and the successful results of the LM35 module validate the accuracy and reliability of our system.</a:t>
-            </a:r>
-          </a:p>
-          <a:p>
-            <a:pPr lvl="0"/>
-            <a:endParaRPr lang="en-IN" b="1" dirty="0">
-              <a:latin typeface="Verdana" panose="020B0604030504040204" pitchFamily="34" charset="0"/>
-              <a:ea typeface="Verdana" panose="020B0604030504040204" pitchFamily="34" charset="0"/>
-            </a:endParaRPr>
+              <a:t>We have implemented the LM35 temperature sensor module and successfully interfaced it with the FPGA through the ADC. The sensor output is being read, and our Verilog code converts the ADC values into temperature readings in degrees Celsius. Initially, we faced issues such as noise spikes and timing mismatches, but these were resolved by adding proper synchronization and refining the sampling logic. At present, we are making small improvements to ensure continuous and noise-free real-time temperature readings. With the temperature module completed, we are now moving ahead to interface the remaining vital sensors, including the heart rate sensor and respiratory rate sensor. The heart rate sensor will be connected using our I²C communication module, and we will extract heart rate values using peak detection techniques, while the respiratory rate sensor will be connected through the ADC, allowing us to process the waveform and calculate breaths per minute. Once these modules are developed, all sensor readings will be integrated in the top-level FPGA design and displayed through UART, OLED, or 7-segment output. Overall, our implementation is progressing well, and the successful results of the LM35 module validate the accuracy and reliability of our system.</a:t>
+            </a:r>
           </a:p>
         </p:txBody>
       </p:sp>
@@ -13046,7 +15346,7 @@
         </p:blipFill>
         <p:spPr bwMode="auto">
           <a:xfrm>
-            <a:off x="1521231" y="3801140"/>
+            <a:off x="1070770" y="3499379"/>
             <a:ext cx="2523682" cy="2523682"/>
           </a:xfrm>
           <a:prstGeom prst="rect">
@@ -13086,7 +15386,7 @@
         </p:blipFill>
         <p:spPr>
           <a:xfrm>
-            <a:off x="4443415" y="3733527"/>
+            <a:off x="4699447" y="3525616"/>
             <a:ext cx="5774474" cy="2591295"/>
           </a:xfrm>
           <a:prstGeom prst="rect">
@@ -13094,6 +15394,77 @@
           </a:prstGeom>
         </p:spPr>
       </p:pic>
+      <p:sp>
+        <p:nvSpPr>
+          <p:cNvPr id="2" name="TextBox 1">
+            <a:extLst>
+              <a:ext uri="{FF2B5EF4-FFF2-40B4-BE49-F238E27FC236}">
+                <a16:creationId xmlns:a16="http://schemas.microsoft.com/office/drawing/2014/main" id="{FF03786D-A448-363E-E08C-1ED6E095BEF2}"/>
+              </a:ext>
+            </a:extLst>
+          </p:cNvPr>
+          <p:cNvSpPr txBox="1"/>
+          <p:nvPr/>
+        </p:nvSpPr>
+        <p:spPr>
+          <a:xfrm>
+            <a:off x="971046" y="5715284"/>
+            <a:ext cx="3044421" cy="307777"/>
+          </a:xfrm>
+          <a:prstGeom prst="rect">
+            <a:avLst/>
+          </a:prstGeom>
+          <a:noFill/>
+        </p:spPr>
+        <p:txBody>
+          <a:bodyPr wrap="square" rtlCol="0">
+            <a:spAutoFit/>
+          </a:bodyPr>
+          <a:lstStyle/>
+          <a:p>
+            <a:r>
+              <a:rPr lang="en-US" dirty="0"/>
+              <a:t>LM-35 Temperature sensor module</a:t>
+            </a:r>
+          </a:p>
+        </p:txBody>
+      </p:sp>
+      <p:sp>
+        <p:nvSpPr>
+          <p:cNvPr id="4" name="TextBox 3">
+            <a:extLst>
+              <a:ext uri="{FF2B5EF4-FFF2-40B4-BE49-F238E27FC236}">
+                <a16:creationId xmlns:a16="http://schemas.microsoft.com/office/drawing/2014/main" id="{6A55F3DB-B50A-C065-8F36-1274C07C1AE1}"/>
+              </a:ext>
+            </a:extLst>
+          </p:cNvPr>
+          <p:cNvSpPr txBox="1"/>
+          <p:nvPr/>
+        </p:nvSpPr>
+        <p:spPr>
+          <a:xfrm>
+            <a:off x="6096000" y="6099048"/>
+            <a:ext cx="3352799" cy="307777"/>
+          </a:xfrm>
+          <a:prstGeom prst="rect">
+            <a:avLst/>
+          </a:prstGeom>
+          <a:noFill/>
+        </p:spPr>
+        <p:txBody>
+          <a:bodyPr wrap="square" rtlCol="0">
+            <a:spAutoFit/>
+          </a:bodyPr>
+          <a:lstStyle/>
+          <a:p>
+            <a:pPr algn="ctr"/>
+            <a:r>
+              <a:rPr lang="en-US" dirty="0"/>
+              <a:t>Circuit Interfacing</a:t>
+            </a:r>
+          </a:p>
+        </p:txBody>
+      </p:sp>
     </p:spTree>
     <p:extLst>
       <p:ext uri="{BB962C8B-B14F-4D97-AF65-F5344CB8AC3E}">
@@ -13104,6 +15475,18 @@
   <p:clrMapOvr>
     <a:masterClrMapping/>
   </p:clrMapOvr>
+  <mc:AlternateContent xmlns:mc="http://schemas.openxmlformats.org/markup-compatibility/2006">
+    <mc:Choice xmlns:p14="http://schemas.microsoft.com/office/powerpoint/2010/main" Requires="p14">
+      <p:transition spd="med">
+        <p14:reveal/>
+      </p:transition>
+    </mc:Choice>
+    <mc:Fallback>
+      <p:transition spd="med">
+        <p:fade/>
+      </p:transition>
+    </mc:Fallback>
+  </mc:AlternateContent>
 </p:sld>
 </file>
 
